--- a/Presentation/presentation.pptx
+++ b/Presentation/presentation.pptx
@@ -132,7 +132,7 @@
   </p:defaultTextStyle>
   <p:extLst>
     <p:ext uri="{EFAFB233-063F-42B5-8137-9DF3F51BA10A}">
-      <p15:sldGuideLst xmlns:p15="http://schemas.microsoft.com/office/powerpoint/2012/main" xmlns="">
+      <p15:sldGuideLst xmlns="" xmlns:p15="http://schemas.microsoft.com/office/powerpoint/2012/main">
         <p15:guide id="1" orient="horz" pos="1800">
           <p15:clr>
             <a:srgbClr val="A4A3A4"/>
@@ -146,7 +146,7 @@
       </p15:sldGuideLst>
     </p:ext>
     <p:ext uri="{2D200454-40CA-4A62-9FC3-DE9A4176ACB9}">
-      <p15:notesGuideLst xmlns:p15="http://schemas.microsoft.com/office/powerpoint/2012/main" xmlns="">
+      <p15:notesGuideLst xmlns="" xmlns:p15="http://schemas.microsoft.com/office/powerpoint/2012/main">
         <p15:guide id="1" orient="horz" pos="2880">
           <p15:clr>
             <a:srgbClr val="A4A3A4"/>
@@ -1402,7 +1402,7 @@
   </p:clrMapOvr>
   <p:extLst mod="1">
     <p:ext uri="{DCECCB84-F9BA-43D5-87BE-67443E8EF086}">
-      <p15:sldGuideLst xmlns:p15="http://schemas.microsoft.com/office/powerpoint/2012/main" xmlns="">
+      <p15:sldGuideLst xmlns="" xmlns:p15="http://schemas.microsoft.com/office/powerpoint/2012/main">
         <p15:guide id="1" orient="horz" pos="1800" userDrawn="1">
           <p15:clr>
             <a:srgbClr val="FBAE40"/>
@@ -4291,7 +4291,7 @@
   </p:clrMapOvr>
   <p:extLst mod="1">
     <p:ext uri="{DCECCB84-F9BA-43D5-87BE-67443E8EF086}">
-      <p15:sldGuideLst xmlns:p15="http://schemas.microsoft.com/office/powerpoint/2012/main" xmlns="">
+      <p15:sldGuideLst xmlns="" xmlns:p15="http://schemas.microsoft.com/office/powerpoint/2012/main">
         <p15:guide id="1" orient="horz" pos="1800" userDrawn="1">
           <p15:clr>
             <a:srgbClr val="FBAE40"/>
@@ -12255,7 +12255,7 @@
   </p:transition>
   <p:extLst mod="1">
     <p:ext uri="{DCECCB84-F9BA-43D5-87BE-67443E8EF086}">
-      <p15:sldGuideLst xmlns:p15="http://schemas.microsoft.com/office/powerpoint/2012/main" xmlns="">
+      <p15:sldGuideLst xmlns="" xmlns:p15="http://schemas.microsoft.com/office/powerpoint/2012/main">
         <p15:guide id="1" orient="horz" pos="1800" userDrawn="1">
           <p15:clr>
             <a:srgbClr val="FBAE40"/>
@@ -12995,7 +12995,7 @@
   </p:transition>
   <p:extLst mod="1">
     <p:ext uri="{DCECCB84-F9BA-43D5-87BE-67443E8EF086}">
-      <p15:sldGuideLst xmlns:p15="http://schemas.microsoft.com/office/powerpoint/2012/main" xmlns="">
+      <p15:sldGuideLst xmlns="" xmlns:p15="http://schemas.microsoft.com/office/powerpoint/2012/main">
         <p15:guide id="1" orient="horz" pos="412" userDrawn="1">
           <p15:clr>
             <a:srgbClr val="FBAE40"/>
@@ -14354,7 +14354,7 @@
   <p:transition/>
   <p:extLst mod="1">
     <p:ext uri="{DCECCB84-F9BA-43D5-87BE-67443E8EF086}">
-      <p15:sldGuideLst xmlns:p15="http://schemas.microsoft.com/office/powerpoint/2012/main" xmlns="">
+      <p15:sldGuideLst xmlns="" xmlns:p15="http://schemas.microsoft.com/office/powerpoint/2012/main">
         <p15:guide id="1" orient="horz" pos="1800" userDrawn="1">
           <p15:clr>
             <a:srgbClr val="FBAE40"/>
@@ -14712,7 +14712,7 @@
   <p:transition/>
   <p:extLst mod="1">
     <p:ext uri="{DCECCB84-F9BA-43D5-87BE-67443E8EF086}">
-      <p15:sldGuideLst xmlns:p15="http://schemas.microsoft.com/office/powerpoint/2012/main" xmlns="">
+      <p15:sldGuideLst xmlns="" xmlns:p15="http://schemas.microsoft.com/office/powerpoint/2012/main">
         <p15:guide id="1" orient="horz" pos="1800" userDrawn="1">
           <p15:clr>
             <a:srgbClr val="FBAE40"/>
@@ -15203,7 +15203,7 @@
   <p:transition/>
   <p:extLst mod="1">
     <p:ext uri="{DCECCB84-F9BA-43D5-87BE-67443E8EF086}">
-      <p15:sldGuideLst xmlns:p15="http://schemas.microsoft.com/office/powerpoint/2012/main" xmlns="">
+      <p15:sldGuideLst xmlns="" xmlns:p15="http://schemas.microsoft.com/office/powerpoint/2012/main">
         <p15:guide id="1" orient="horz" pos="1800" userDrawn="1">
           <p15:clr>
             <a:srgbClr val="FBAE40"/>
@@ -16640,19 +16640,6 @@
               </a:rPr>
               <a:t>06/12/2016</a:t>
             </a:r>
-            <a:endParaRPr kumimoji="0" lang="fr-FR" sz="2000" i="0" u="none" strike="noStrike" kern="1200" spc="0" normalizeH="0" noProof="0" dirty="0" smtClean="0">
-              <a:ln>
-                <a:noFill/>
-              </a:ln>
-              <a:solidFill>
-                <a:schemeClr val="bg1"/>
-              </a:solidFill>
-              <a:effectLst/>
-              <a:uLnTx/>
-              <a:uFillTx/>
-              <a:ea typeface="+mj-ea"/>
-              <a:cs typeface="+mj-cs"/>
-            </a:endParaRPr>
           </a:p>
         </p:txBody>
       </p:sp>
@@ -16758,7 +16745,6 @@
               <a:rPr lang="fr-FR" dirty="0"/>
               <a:t>réactif</a:t>
             </a:r>
-            <a:endParaRPr lang="fr-FR" dirty="0"/>
           </a:p>
         </p:txBody>
       </p:sp>
@@ -17758,7 +17744,6 @@
               <a:rPr lang="fr-FR" dirty="0" smtClean="0"/>
               <a:t>Geoffrey</a:t>
             </a:r>
-            <a:endParaRPr lang="fr-FR" dirty="0" smtClean="0"/>
           </a:p>
         </p:txBody>
       </p:sp>
@@ -18117,11 +18102,7 @@
           <a:p>
             <a:r>
               <a:rPr lang="fr-FR" dirty="0" smtClean="0"/>
-              <a:t>Créatio</a:t>
-            </a:r>
-            <a:r>
-              <a:rPr lang="fr-FR" dirty="0" smtClean="0"/>
-              <a:t>n d’un jeu de stratégie/simulation</a:t>
+              <a:t>Création d’un jeu de stratégie/simulation</a:t>
             </a:r>
           </a:p>
           <a:p>
@@ -18133,7 +18114,11 @@
           <a:p>
             <a:r>
               <a:rPr lang="fr-FR" dirty="0" smtClean="0"/>
-              <a:t>Bu du jeu: gérer la ville et faire une ascension politique</a:t>
+              <a:t>But </a:t>
+            </a:r>
+            <a:r>
+              <a:rPr lang="fr-FR" dirty="0" smtClean="0"/>
+              <a:t>du jeu: gérer la ville et faire une ascension politique</a:t>
             </a:r>
             <a:endParaRPr lang="fr-FR" dirty="0"/>
           </a:p>
@@ -18433,13 +18418,13 @@
         </p:nvSpPr>
         <p:spPr>
           <a:xfrm>
-            <a:off x="306000" y="1129308"/>
-            <a:ext cx="8532000" cy="2016224"/>
+            <a:off x="323528" y="985292"/>
+            <a:ext cx="8586480" cy="3096344"/>
           </a:xfrm>
         </p:spPr>
         <p:txBody>
           <a:bodyPr>
-            <a:normAutofit fontScale="92500" lnSpcReduction="20000"/>
+            <a:normAutofit lnSpcReduction="10000"/>
           </a:bodyPr>
           <a:lstStyle/>
           <a:p>
@@ -18473,16 +18458,54 @@
           <a:p>
             <a:r>
               <a:rPr lang="fr-FR" dirty="0" err="1" smtClean="0"/>
-              <a:t>MySql</a:t>
+              <a:t>MariaDB</a:t>
             </a:r>
             <a:endParaRPr lang="fr-FR" dirty="0" smtClean="0"/>
           </a:p>
           <a:p>
             <a:r>
               <a:rPr lang="fr-FR" dirty="0" smtClean="0"/>
-              <a:t>Infos serveurs</a:t>
-            </a:r>
-            <a:endParaRPr lang="fr-FR" dirty="0"/>
+              <a:t>Java 8 / </a:t>
+            </a:r>
+            <a:r>
+              <a:rPr lang="fr-FR" dirty="0" err="1" smtClean="0"/>
+              <a:t>Jdk</a:t>
+            </a:r>
+            <a:r>
+              <a:rPr lang="fr-FR" dirty="0" smtClean="0"/>
+              <a:t> 1.8.112 / J2E </a:t>
+            </a:r>
+          </a:p>
+          <a:p>
+            <a:r>
+              <a:rPr lang="fr-FR" dirty="0" err="1" smtClean="0"/>
+              <a:t>Tomcat</a:t>
+            </a:r>
+            <a:r>
+              <a:rPr lang="fr-FR" dirty="0" smtClean="0"/>
+              <a:t> 8.5</a:t>
+            </a:r>
+          </a:p>
+          <a:p>
+            <a:r>
+              <a:rPr lang="fr-FR" dirty="0" smtClean="0"/>
+              <a:t>Serveur </a:t>
+            </a:r>
+            <a:r>
+              <a:rPr lang="fr-FR" dirty="0" err="1" smtClean="0"/>
+              <a:t>Dehbian</a:t>
+            </a:r>
+            <a:r>
+              <a:rPr lang="fr-FR" dirty="0" smtClean="0"/>
+              <a:t> Jessie 8</a:t>
+            </a:r>
+            <a:endParaRPr lang="fr-FR" dirty="0" smtClean="0"/>
+          </a:p>
+          <a:p>
+            <a:endParaRPr lang="fr-FR" dirty="0" smtClean="0"/>
+          </a:p>
+          <a:p>
+            <a:endParaRPr lang="fr-FR" dirty="0" smtClean="0"/>
           </a:p>
         </p:txBody>
       </p:sp>
@@ -18821,6 +18844,104 @@
                       </p:childTnLst>
                     </p:cTn>
                   </p:par>
+                  <p:par>
+                    <p:cTn id="23" fill="hold">
+                      <p:stCondLst>
+                        <p:cond delay="indefinite"/>
+                      </p:stCondLst>
+                      <p:childTnLst>
+                        <p:par>
+                          <p:cTn id="24" fill="hold">
+                            <p:stCondLst>
+                              <p:cond delay="0"/>
+                            </p:stCondLst>
+                            <p:childTnLst>
+                              <p:par>
+                                <p:cTn id="25" presetID="1" presetClass="entr" presetSubtype="0" fill="hold" grpId="0" nodeType="clickEffect">
+                                  <p:stCondLst>
+                                    <p:cond delay="0"/>
+                                  </p:stCondLst>
+                                  <p:childTnLst>
+                                    <p:set>
+                                      <p:cBhvr>
+                                        <p:cTn id="26" dur="1" fill="hold">
+                                          <p:stCondLst>
+                                            <p:cond delay="0"/>
+                                          </p:stCondLst>
+                                        </p:cTn>
+                                        <p:tgtEl>
+                                          <p:spTgt spid="13">
+                                            <p:txEl>
+                                              <p:pRg st="5" end="5"/>
+                                            </p:txEl>
+                                          </p:spTgt>
+                                        </p:tgtEl>
+                                        <p:attrNameLst>
+                                          <p:attrName>style.visibility</p:attrName>
+                                        </p:attrNameLst>
+                                      </p:cBhvr>
+                                      <p:to>
+                                        <p:strVal val="visible"/>
+                                      </p:to>
+                                    </p:set>
+                                  </p:childTnLst>
+                                </p:cTn>
+                              </p:par>
+                            </p:childTnLst>
+                          </p:cTn>
+                        </p:par>
+                      </p:childTnLst>
+                    </p:cTn>
+                  </p:par>
+                  <p:par>
+                    <p:cTn id="27" fill="hold">
+                      <p:stCondLst>
+                        <p:cond delay="indefinite"/>
+                      </p:stCondLst>
+                      <p:childTnLst>
+                        <p:par>
+                          <p:cTn id="28" fill="hold">
+                            <p:stCondLst>
+                              <p:cond delay="0"/>
+                            </p:stCondLst>
+                            <p:childTnLst>
+                              <p:par>
+                                <p:cTn id="29" presetID="1" presetClass="entr" presetSubtype="0" fill="hold" grpId="0" nodeType="clickEffect">
+                                  <p:stCondLst>
+                                    <p:cond delay="0"/>
+                                  </p:stCondLst>
+                                  <p:childTnLst>
+                                    <p:set>
+                                      <p:cBhvr>
+                                        <p:cTn id="30" dur="1" fill="hold">
+                                          <p:stCondLst>
+                                            <p:cond delay="0"/>
+                                          </p:stCondLst>
+                                        </p:cTn>
+                                        <p:tgtEl>
+                                          <p:spTgt spid="13">
+                                            <p:txEl>
+                                              <p:pRg st="6" end="6"/>
+                                            </p:txEl>
+                                          </p:spTgt>
+                                        </p:tgtEl>
+                                        <p:attrNameLst>
+                                          <p:attrName>style.visibility</p:attrName>
+                                        </p:attrNameLst>
+                                      </p:cBhvr>
+                                      <p:to>
+                                        <p:strVal val="visible"/>
+                                      </p:to>
+                                    </p:set>
+                                  </p:childTnLst>
+                                </p:cTn>
+                              </p:par>
+                            </p:childTnLst>
+                          </p:cTn>
+                        </p:par>
+                      </p:childTnLst>
+                    </p:cTn>
+                  </p:par>
                 </p:childTnLst>
               </p:cTn>
               <p:prevCondLst>
@@ -18971,7 +19092,6 @@
               <a:rPr lang="fr-FR" dirty="0"/>
               <a:t>: développement</a:t>
             </a:r>
-            <a:endParaRPr lang="fr-FR" dirty="0"/>
           </a:p>
         </p:txBody>
       </p:sp>
@@ -19355,12 +19475,13 @@
           <a:p>
             <a:r>
               <a:rPr lang="fr-FR" dirty="0" smtClean="0"/>
-              <a:t>Dev</a:t>
-            </a:r>
-            <a:r>
-              <a:rPr lang="fr-FR" dirty="0"/>
-              <a:t>' </a:t>
-            </a:r>
+              <a:t>Développement</a:t>
+            </a:r>
+            <a:r>
+              <a:rPr lang="fr-FR" dirty="0" smtClean="0"/>
+              <a:t> Client</a:t>
+            </a:r>
+            <a:endParaRPr lang="fr-FR" dirty="0"/>
           </a:p>
           <a:p>
             <a:r>
@@ -19371,7 +19492,6 @@
               <a:rPr lang="fr-FR" dirty="0"/>
               <a:t>en place serveur &amp; BDD</a:t>
             </a:r>
-            <a:endParaRPr lang="fr-FR" dirty="0"/>
           </a:p>
         </p:txBody>
       </p:sp>
@@ -20456,7 +20576,6 @@
               <a:rPr lang="fr-FR" dirty="0"/>
               <a:t>: courts</a:t>
             </a:r>
-            <a:endParaRPr lang="fr-FR" dirty="0"/>
           </a:p>
         </p:txBody>
       </p:sp>
@@ -21069,7 +21188,7 @@
   <a:extraClrSchemeLst/>
   <a:extLst>
     <a:ext uri="{05A4C25C-085E-4340-85A3-A5531E510DB2}">
-      <thm15:themeFamily xmlns:thm15="http://schemas.microsoft.com/office/thememl/2012/main" xmlns="" name="TEMPLATE-SQLI-Enterprise-2015-Arial-FR.potx" id="{293128A5-7D34-4608-A510-2D7497C5364F}" vid="{5DF8CF93-3EC2-42C8-90A2-003579D25058}"/>
+      <thm15:themeFamily xmlns="" xmlns:thm15="http://schemas.microsoft.com/office/thememl/2012/main" name="TEMPLATE-SQLI-Enterprise-2015-Arial-FR.potx" id="{293128A5-7D34-4608-A510-2D7497C5364F}" vid="{5DF8CF93-3EC2-42C8-90A2-003579D25058}"/>
     </a:ext>
   </a:extLst>
 </a:theme>

--- a/Presentation/presentation.pptx
+++ b/Presentation/presentation.pptx
@@ -5,10 +5,10 @@
     <p:sldMasterId id="2147483648" r:id="rId1"/>
   </p:sldMasterIdLst>
   <p:notesMasterIdLst>
-    <p:notesMasterId r:id="rId14"/>
+    <p:notesMasterId r:id="rId16"/>
   </p:notesMasterIdLst>
   <p:handoutMasterIdLst>
-    <p:handoutMasterId r:id="rId15"/>
+    <p:handoutMasterId r:id="rId17"/>
   </p:handoutMasterIdLst>
   <p:sldIdLst>
     <p:sldId id="285" r:id="rId2"/>
@@ -18,21 +18,23 @@
     <p:sldId id="362" r:id="rId6"/>
     <p:sldId id="363" r:id="rId7"/>
     <p:sldId id="365" r:id="rId8"/>
-    <p:sldId id="364" r:id="rId9"/>
-    <p:sldId id="366" r:id="rId10"/>
-    <p:sldId id="368" r:id="rId11"/>
-    <p:sldId id="369" r:id="rId12"/>
-    <p:sldId id="370" r:id="rId13"/>
+    <p:sldId id="372" r:id="rId9"/>
+    <p:sldId id="371" r:id="rId10"/>
+    <p:sldId id="364" r:id="rId11"/>
+    <p:sldId id="366" r:id="rId12"/>
+    <p:sldId id="368" r:id="rId13"/>
+    <p:sldId id="369" r:id="rId14"/>
+    <p:sldId id="370" r:id="rId15"/>
   </p:sldIdLst>
   <p:sldSz cx="9144000" cy="5715000" type="screen16x10"/>
   <p:notesSz cx="6858000" cy="9144000"/>
   <p:embeddedFontLst>
     <p:embeddedFont>
       <p:font typeface="Arial Narrow" panose="020B0606020202030204" pitchFamily="34" charset="0"/>
-      <p:regular r:id="rId16"/>
-      <p:bold r:id="rId17"/>
-      <p:italic r:id="rId18"/>
-      <p:boldItalic r:id="rId19"/>
+      <p:regular r:id="rId18"/>
+      <p:bold r:id="rId19"/>
+      <p:italic r:id="rId20"/>
+      <p:boldItalic r:id="rId21"/>
     </p:embeddedFont>
   </p:embeddedFontLst>
   <p:defaultTextStyle>
@@ -132,7 +134,7 @@
   </p:defaultTextStyle>
   <p:extLst>
     <p:ext uri="{EFAFB233-063F-42B5-8137-9DF3F51BA10A}">
-      <p15:sldGuideLst xmlns="" xmlns:p15="http://schemas.microsoft.com/office/powerpoint/2012/main">
+      <p15:sldGuideLst xmlns:p15="http://schemas.microsoft.com/office/powerpoint/2012/main" xmlns="">
         <p15:guide id="1" orient="horz" pos="1800">
           <p15:clr>
             <a:srgbClr val="A4A3A4"/>
@@ -146,7 +148,7 @@
       </p15:sldGuideLst>
     </p:ext>
     <p:ext uri="{2D200454-40CA-4A62-9FC3-DE9A4176ACB9}">
-      <p15:notesGuideLst xmlns="" xmlns:p15="http://schemas.microsoft.com/office/powerpoint/2012/main">
+      <p15:notesGuideLst xmlns:p15="http://schemas.microsoft.com/office/powerpoint/2012/main" xmlns="">
         <p15:guide id="1" orient="horz" pos="2880">
           <p15:clr>
             <a:srgbClr val="A4A3A4"/>
@@ -249,7 +251,7 @@
               <a:rPr lang="fr-FR" smtClean="0">
                 <a:latin typeface="Arial Narrow" panose="020B0606020202030204" pitchFamily="34" charset="0"/>
               </a:rPr>
-              <a:t>05/12/2016</a:t>
+              <a:t>06/12/2016</a:t>
             </a:fld>
             <a:endParaRPr lang="fr-FR" dirty="0">
               <a:latin typeface="Arial Narrow" panose="020B0606020202030204" pitchFamily="34" charset="0"/>
@@ -428,7 +430,7 @@
           <a:p>
             <a:fld id="{B1CCC2FA-B8D2-49BD-9926-8A2EC73F021A}" type="datetime1">
               <a:rPr lang="fr-FR" smtClean="0"/>
-              <a:t>05/12/2016</a:t>
+              <a:t>06/12/2016</a:t>
             </a:fld>
             <a:endParaRPr lang="fr-FR" dirty="0"/>
           </a:p>
@@ -792,7 +794,7 @@
           <a:p>
             <a:fld id="{6214E0FB-3390-44E1-836A-1A0D7571774F}" type="datetime1">
               <a:rPr lang="fr-FR" smtClean="0"/>
-              <a:t>05/12/2016</a:t>
+              <a:t>06/12/2016</a:t>
             </a:fld>
             <a:endParaRPr lang="fr-FR" dirty="0"/>
           </a:p>
@@ -876,7 +878,7 @@
           <a:p>
             <a:fld id="{B1CCC2FA-B8D2-49BD-9926-8A2EC73F021A}" type="datetime1">
               <a:rPr lang="fr-FR" smtClean="0"/>
-              <a:t>05/12/2016</a:t>
+              <a:t>06/12/2016</a:t>
             </a:fld>
             <a:endParaRPr lang="fr-FR" dirty="0"/>
           </a:p>
@@ -900,7 +902,7 @@
             <a:fld id="{5CC133CB-85EB-43DB-A60A-864F4735B2FA}" type="slidenum">
               <a:rPr lang="fr-FR" smtClean="0"/>
               <a:pPr/>
-              <a:t>11</a:t>
+              <a:t>13</a:t>
             </a:fld>
             <a:endParaRPr lang="fr-FR" dirty="0"/>
           </a:p>
@@ -1402,7 +1404,7 @@
   </p:clrMapOvr>
   <p:extLst mod="1">
     <p:ext uri="{DCECCB84-F9BA-43D5-87BE-67443E8EF086}">
-      <p15:sldGuideLst xmlns="" xmlns:p15="http://schemas.microsoft.com/office/powerpoint/2012/main">
+      <p15:sldGuideLst xmlns:p15="http://schemas.microsoft.com/office/powerpoint/2012/main" xmlns="">
         <p15:guide id="1" orient="horz" pos="1800" userDrawn="1">
           <p15:clr>
             <a:srgbClr val="FBAE40"/>
@@ -4291,7 +4293,7 @@
   </p:clrMapOvr>
   <p:extLst mod="1">
     <p:ext uri="{DCECCB84-F9BA-43D5-87BE-67443E8EF086}">
-      <p15:sldGuideLst xmlns="" xmlns:p15="http://schemas.microsoft.com/office/powerpoint/2012/main">
+      <p15:sldGuideLst xmlns:p15="http://schemas.microsoft.com/office/powerpoint/2012/main" xmlns="">
         <p15:guide id="1" orient="horz" pos="1800" userDrawn="1">
           <p15:clr>
             <a:srgbClr val="FBAE40"/>
@@ -12255,7 +12257,7 @@
   </p:transition>
   <p:extLst mod="1">
     <p:ext uri="{DCECCB84-F9BA-43D5-87BE-67443E8EF086}">
-      <p15:sldGuideLst xmlns="" xmlns:p15="http://schemas.microsoft.com/office/powerpoint/2012/main">
+      <p15:sldGuideLst xmlns:p15="http://schemas.microsoft.com/office/powerpoint/2012/main" xmlns="">
         <p15:guide id="1" orient="horz" pos="1800" userDrawn="1">
           <p15:clr>
             <a:srgbClr val="FBAE40"/>
@@ -12995,7 +12997,7 @@
   </p:transition>
   <p:extLst mod="1">
     <p:ext uri="{DCECCB84-F9BA-43D5-87BE-67443E8EF086}">
-      <p15:sldGuideLst xmlns="" xmlns:p15="http://schemas.microsoft.com/office/powerpoint/2012/main">
+      <p15:sldGuideLst xmlns:p15="http://schemas.microsoft.com/office/powerpoint/2012/main" xmlns="">
         <p15:guide id="1" orient="horz" pos="412" userDrawn="1">
           <p15:clr>
             <a:srgbClr val="FBAE40"/>
@@ -14354,7 +14356,7 @@
   <p:transition/>
   <p:extLst mod="1">
     <p:ext uri="{DCECCB84-F9BA-43D5-87BE-67443E8EF086}">
-      <p15:sldGuideLst xmlns="" xmlns:p15="http://schemas.microsoft.com/office/powerpoint/2012/main">
+      <p15:sldGuideLst xmlns:p15="http://schemas.microsoft.com/office/powerpoint/2012/main" xmlns="">
         <p15:guide id="1" orient="horz" pos="1800" userDrawn="1">
           <p15:clr>
             <a:srgbClr val="FBAE40"/>
@@ -14712,7 +14714,7 @@
   <p:transition/>
   <p:extLst mod="1">
     <p:ext uri="{DCECCB84-F9BA-43D5-87BE-67443E8EF086}">
-      <p15:sldGuideLst xmlns="" xmlns:p15="http://schemas.microsoft.com/office/powerpoint/2012/main">
+      <p15:sldGuideLst xmlns:p15="http://schemas.microsoft.com/office/powerpoint/2012/main" xmlns="">
         <p15:guide id="1" orient="horz" pos="1800" userDrawn="1">
           <p15:clr>
             <a:srgbClr val="FBAE40"/>
@@ -15203,7 +15205,7 @@
   <p:transition/>
   <p:extLst mod="1">
     <p:ext uri="{DCECCB84-F9BA-43D5-87BE-67443E8EF086}">
-      <p15:sldGuideLst xmlns="" xmlns:p15="http://schemas.microsoft.com/office/powerpoint/2012/main">
+      <p15:sldGuideLst xmlns:p15="http://schemas.microsoft.com/office/powerpoint/2012/main" xmlns="">
         <p15:guide id="1" orient="horz" pos="1800" userDrawn="1">
           <p15:clr>
             <a:srgbClr val="FBAE40"/>
@@ -16692,73 +16694,10 @@
         </p:nvSpPr>
         <p:spPr>
           <a:xfrm>
-            <a:off x="306000" y="1129308"/>
-            <a:ext cx="8532000" cy="1613132"/>
+            <a:off x="323528" y="1129308"/>
+            <a:ext cx="8640960" cy="3744416"/>
           </a:xfrm>
         </p:spPr>
-        <p:txBody>
-          <a:bodyPr>
-            <a:normAutofit fontScale="92500" lnSpcReduction="10000"/>
-          </a:bodyPr>
-          <a:lstStyle/>
-          <a:p>
-            <a:r>
-              <a:rPr lang="fr-FR" dirty="0" smtClean="0"/>
-              <a:t>CDC</a:t>
-            </a:r>
-            <a:r>
-              <a:rPr lang="fr-FR" dirty="0"/>
-              <a:t>: </a:t>
-            </a:r>
-            <a:r>
-              <a:rPr lang="fr-FR" dirty="0" smtClean="0"/>
-              <a:t>gérer la prise </a:t>
-            </a:r>
-            <a:r>
-              <a:rPr lang="fr-FR" dirty="0"/>
-              <a:t>de décision</a:t>
-            </a:r>
-          </a:p>
-          <a:p>
-            <a:r>
-              <a:rPr lang="fr-FR" dirty="0" smtClean="0"/>
-              <a:t>Git :entraide</a:t>
-            </a:r>
-            <a:endParaRPr lang="fr-FR" dirty="0"/>
-          </a:p>
-          <a:p>
-            <a:r>
-              <a:rPr lang="fr-FR" dirty="0" err="1" smtClean="0"/>
-              <a:t>Crafty</a:t>
-            </a:r>
-            <a:r>
-              <a:rPr lang="fr-FR" dirty="0"/>
-              <a:t>: usage de la doc</a:t>
-            </a:r>
-          </a:p>
-          <a:p>
-            <a:r>
-              <a:rPr lang="fr-FR" dirty="0" smtClean="0"/>
-              <a:t>Délais: être </a:t>
-            </a:r>
-            <a:r>
-              <a:rPr lang="fr-FR" dirty="0"/>
-              <a:t>réactif</a:t>
-            </a:r>
-          </a:p>
-        </p:txBody>
-      </p:sp>
-      <p:sp>
-        <p:nvSpPr>
-          <p:cNvPr id="11" name="Titre 10"/>
-          <p:cNvSpPr>
-            <a:spLocks noGrp="1"/>
-          </p:cNvSpPr>
-          <p:nvPr>
-            <p:ph type="title"/>
-          </p:nvPr>
-        </p:nvSpPr>
-        <p:spPr/>
         <p:txBody>
           <a:bodyPr>
             <a:normAutofit/>
@@ -16767,7 +16706,100 @@
           <a:p>
             <a:r>
               <a:rPr lang="fr-FR" dirty="0" smtClean="0"/>
-              <a:t>Solutions mises en place</a:t>
+              <a:t>Mise en place d’un menu</a:t>
+            </a:r>
+          </a:p>
+          <a:p>
+            <a:r>
+              <a:rPr lang="fr-FR" dirty="0" smtClean="0"/>
+              <a:t>Génération </a:t>
+            </a:r>
+            <a:r>
+              <a:rPr lang="fr-FR" dirty="0"/>
+              <a:t>d'une </a:t>
+            </a:r>
+            <a:r>
+              <a:rPr lang="fr-FR" dirty="0" err="1"/>
+              <a:t>map</a:t>
+            </a:r>
+            <a:r>
+              <a:rPr lang="fr-FR" dirty="0"/>
+              <a:t> aléatoire</a:t>
+            </a:r>
+          </a:p>
+          <a:p>
+            <a:r>
+              <a:rPr lang="fr-FR" dirty="0" smtClean="0"/>
+              <a:t>Construction des bâtiments</a:t>
+            </a:r>
+            <a:endParaRPr lang="fr-FR" dirty="0"/>
+          </a:p>
+          <a:p>
+            <a:r>
+              <a:rPr lang="fr-FR" dirty="0"/>
+              <a:t>Infos sur les </a:t>
+            </a:r>
+            <a:r>
+              <a:rPr lang="fr-FR" dirty="0" smtClean="0"/>
+              <a:t>bâtiments </a:t>
+            </a:r>
+            <a:r>
+              <a:rPr lang="fr-FR" dirty="0"/>
+              <a:t>au clic</a:t>
+            </a:r>
+          </a:p>
+          <a:p>
+            <a:r>
+              <a:rPr lang="fr-FR" dirty="0" smtClean="0"/>
+              <a:t>Zoom/</a:t>
+            </a:r>
+            <a:r>
+              <a:rPr lang="fr-FR" dirty="0" err="1" smtClean="0"/>
+              <a:t>Dezoom</a:t>
+            </a:r>
+            <a:endParaRPr lang="fr-FR" dirty="0" smtClean="0"/>
+          </a:p>
+          <a:p>
+            <a:r>
+              <a:rPr lang="fr-FR" dirty="0" smtClean="0"/>
+              <a:t>Suppression des bâtiments</a:t>
+            </a:r>
+          </a:p>
+          <a:p>
+            <a:r>
+              <a:rPr lang="fr-FR" dirty="0" smtClean="0"/>
+              <a:t>Fonction de recentrage</a:t>
+            </a:r>
+          </a:p>
+          <a:p>
+            <a:endParaRPr lang="fr-FR" dirty="0"/>
+          </a:p>
+        </p:txBody>
+      </p:sp>
+      <p:sp>
+        <p:nvSpPr>
+          <p:cNvPr id="11" name="Titre 10"/>
+          <p:cNvSpPr>
+            <a:spLocks noGrp="1"/>
+          </p:cNvSpPr>
+          <p:nvPr>
+            <p:ph type="title"/>
+          </p:nvPr>
+        </p:nvSpPr>
+        <p:spPr/>
+        <p:txBody>
+          <a:bodyPr>
+            <a:normAutofit/>
+          </a:bodyPr>
+          <a:lstStyle/>
+          <a:p>
+            <a:r>
+              <a:rPr lang="fr-FR" dirty="0" err="1" smtClean="0"/>
+              <a:t>Resultat</a:t>
+            </a:r>
+            <a:r>
+              <a:rPr lang="fr-FR" dirty="0" smtClean="0"/>
+              <a:t> obtenu</a:t>
             </a:r>
             <a:endParaRPr lang="fr-FR" dirty="0"/>
           </a:p>
@@ -16789,10 +16821,9 @@
           <a:lstStyle/>
           <a:p>
             <a:r>
-              <a:rPr lang="fr-FR"/>
+              <a:rPr lang="fr-FR" dirty="0"/>
               <a:t>© SQLI Enterprise – SQLI GROUP | 2015 </a:t>
             </a:r>
-            <a:endParaRPr lang="fr-FR" dirty="0"/>
           </a:p>
         </p:txBody>
       </p:sp>
@@ -16823,7 +16854,7 @@
     </p:spTree>
     <p:extLst>
       <p:ext uri="{BB962C8B-B14F-4D97-AF65-F5344CB8AC3E}">
-        <p14:creationId xmlns:p14="http://schemas.microsoft.com/office/powerpoint/2010/main" val="2068405147"/>
+        <p14:creationId xmlns:p14="http://schemas.microsoft.com/office/powerpoint/2010/main" val="1250794560"/>
       </p:ext>
     </p:extLst>
   </p:cSld>
@@ -17034,6 +17065,153 @@
                       </p:childTnLst>
                     </p:cTn>
                   </p:par>
+                  <p:par>
+                    <p:cTn id="19" fill="hold">
+                      <p:stCondLst>
+                        <p:cond delay="indefinite"/>
+                      </p:stCondLst>
+                      <p:childTnLst>
+                        <p:par>
+                          <p:cTn id="20" fill="hold">
+                            <p:stCondLst>
+                              <p:cond delay="0"/>
+                            </p:stCondLst>
+                            <p:childTnLst>
+                              <p:par>
+                                <p:cTn id="21" presetID="1" presetClass="entr" presetSubtype="0" fill="hold" grpId="0" nodeType="clickEffect">
+                                  <p:stCondLst>
+                                    <p:cond delay="0"/>
+                                  </p:stCondLst>
+                                  <p:childTnLst>
+                                    <p:set>
+                                      <p:cBhvr>
+                                        <p:cTn id="22" dur="1" fill="hold">
+                                          <p:stCondLst>
+                                            <p:cond delay="0"/>
+                                          </p:stCondLst>
+                                        </p:cTn>
+                                        <p:tgtEl>
+                                          <p:spTgt spid="13">
+                                            <p:txEl>
+                                              <p:pRg st="4" end="4"/>
+                                            </p:txEl>
+                                          </p:spTgt>
+                                        </p:tgtEl>
+                                        <p:attrNameLst>
+                                          <p:attrName>style.visibility</p:attrName>
+                                        </p:attrNameLst>
+                                      </p:cBhvr>
+                                      <p:to>
+                                        <p:strVal val="visible"/>
+                                      </p:to>
+                                    </p:set>
+                                  </p:childTnLst>
+                                </p:cTn>
+                              </p:par>
+                            </p:childTnLst>
+                          </p:cTn>
+                        </p:par>
+                      </p:childTnLst>
+                    </p:cTn>
+                  </p:par>
+                  <p:par>
+                    <p:cTn id="23" fill="hold">
+                      <p:stCondLst>
+                        <p:cond delay="indefinite"/>
+                      </p:stCondLst>
+                      <p:childTnLst>
+                        <p:par>
+                          <p:cTn id="24" fill="hold">
+                            <p:stCondLst>
+                              <p:cond delay="0"/>
+                            </p:stCondLst>
+                            <p:childTnLst>
+                              <p:par>
+                                <p:cTn id="25" presetID="1" presetClass="entr" presetSubtype="0" fill="hold" grpId="0" nodeType="clickEffect">
+                                  <p:stCondLst>
+                                    <p:cond delay="0"/>
+                                  </p:stCondLst>
+                                  <p:childTnLst>
+                                    <p:set>
+                                      <p:cBhvr>
+                                        <p:cTn id="26" dur="1" fill="hold">
+                                          <p:stCondLst>
+                                            <p:cond delay="0"/>
+                                          </p:stCondLst>
+                                        </p:cTn>
+                                        <p:tgtEl>
+                                          <p:spTgt spid="13">
+                                            <p:txEl>
+                                              <p:pRg st="5" end="5"/>
+                                            </p:txEl>
+                                          </p:spTgt>
+                                        </p:tgtEl>
+                                        <p:attrNameLst>
+                                          <p:attrName>style.visibility</p:attrName>
+                                        </p:attrNameLst>
+                                      </p:cBhvr>
+                                      <p:to>
+                                        <p:strVal val="visible"/>
+                                      </p:to>
+                                    </p:set>
+                                  </p:childTnLst>
+                                </p:cTn>
+                              </p:par>
+                            </p:childTnLst>
+                          </p:cTn>
+                        </p:par>
+                      </p:childTnLst>
+                    </p:cTn>
+                  </p:par>
+                  <p:par>
+                    <p:cTn id="27" fill="hold">
+                      <p:stCondLst>
+                        <p:cond delay="indefinite"/>
+                      </p:stCondLst>
+                      <p:childTnLst>
+                        <p:par>
+                          <p:cTn id="28" fill="hold">
+                            <p:stCondLst>
+                              <p:cond delay="0"/>
+                            </p:stCondLst>
+                            <p:childTnLst>
+                              <p:par>
+                                <p:cTn id="29" presetID="1" presetClass="entr" presetSubtype="0" fill="hold" grpId="0" nodeType="clickEffect">
+                                  <p:stCondLst>
+                                    <p:cond delay="0"/>
+                                  </p:stCondLst>
+                                  <p:childTnLst>
+                                    <p:set>
+                                      <p:cBhvr>
+                                        <p:cTn id="30" dur="1" fill="hold">
+                                          <p:stCondLst>
+                                            <p:cond delay="0"/>
+                                          </p:stCondLst>
+                                        </p:cTn>
+                                        <p:tgtEl>
+                                          <p:spTgt spid="13">
+                                            <p:txEl>
+                                              <p:pRg st="6" end="6"/>
+                                            </p:txEl>
+                                          </p:spTgt>
+                                        </p:tgtEl>
+                                        <p:attrNameLst>
+                                          <p:attrName>style.visibility</p:attrName>
+                                        </p:attrNameLst>
+                                      </p:cBhvr>
+                                      <p:to>
+                                        <p:strVal val="visible"/>
+                                      </p:to>
+                                    </p:set>
+                                  </p:childTnLst>
+                                </p:cTn>
+                              </p:par>
+                            </p:childTnLst>
+                          </p:cTn>
+                        </p:par>
+                      </p:childTnLst>
+                    </p:cTn>
+                  </p:par>
                 </p:childTnLst>
               </p:cTn>
               <p:prevCondLst>
@@ -17092,9 +17270,71 @@
         <p:spPr>
           <a:xfrm>
             <a:off x="306000" y="1129308"/>
-            <a:ext cx="8730496" cy="2160240"/>
+            <a:ext cx="8532000" cy="1613132"/>
           </a:xfrm>
         </p:spPr>
+        <p:txBody>
+          <a:bodyPr>
+            <a:normAutofit fontScale="92500" lnSpcReduction="10000"/>
+          </a:bodyPr>
+          <a:lstStyle/>
+          <a:p>
+            <a:r>
+              <a:rPr lang="fr-FR" dirty="0"/>
+              <a:t> CDC : difficultés pour se mettre d'accord</a:t>
+            </a:r>
+          </a:p>
+          <a:p>
+            <a:r>
+              <a:rPr lang="fr-FR" dirty="0" smtClean="0"/>
+              <a:t>Git</a:t>
+            </a:r>
+            <a:r>
+              <a:rPr lang="fr-FR" dirty="0"/>
+              <a:t>: </a:t>
+            </a:r>
+            <a:r>
+              <a:rPr lang="fr-FR" dirty="0" smtClean="0"/>
+              <a:t>difficultés </a:t>
+            </a:r>
+            <a:r>
+              <a:rPr lang="fr-FR" dirty="0"/>
+              <a:t>de maniement</a:t>
+            </a:r>
+          </a:p>
+          <a:p>
+            <a:r>
+              <a:rPr lang="fr-FR" dirty="0" err="1" smtClean="0"/>
+              <a:t>Crafty</a:t>
+            </a:r>
+            <a:r>
+              <a:rPr lang="fr-FR" dirty="0"/>
+              <a:t>: manque de ressources</a:t>
+            </a:r>
+          </a:p>
+          <a:p>
+            <a:r>
+              <a:rPr lang="fr-FR" dirty="0" smtClean="0"/>
+              <a:t>Délais</a:t>
+            </a:r>
+            <a:r>
+              <a:rPr lang="fr-FR" dirty="0"/>
+              <a:t>: courts</a:t>
+            </a:r>
+          </a:p>
+        </p:txBody>
+      </p:sp>
+      <p:sp>
+        <p:nvSpPr>
+          <p:cNvPr id="11" name="Titre 10"/>
+          <p:cNvSpPr>
+            <a:spLocks noGrp="1"/>
+          </p:cNvSpPr>
+          <p:nvPr>
+            <p:ph type="title"/>
+          </p:nvPr>
+        </p:nvSpPr>
+        <p:spPr/>
         <p:txBody>
           <a:bodyPr>
             <a:normAutofit/>
@@ -17102,78 +17342,12 @@
           <a:lstStyle/>
           <a:p>
             <a:r>
+              <a:rPr lang="fr-FR" dirty="0" err="1" smtClean="0"/>
+              <a:t>Difficultées</a:t>
+            </a:r>
+            <a:r>
               <a:rPr lang="fr-FR" dirty="0" smtClean="0"/>
-              <a:t>Travail </a:t>
-            </a:r>
-            <a:r>
-              <a:rPr lang="fr-FR" dirty="0"/>
-              <a:t>de groupe avec des </a:t>
-            </a:r>
-            <a:r>
-              <a:rPr lang="fr-FR" dirty="0" smtClean="0"/>
-              <a:t>profils différents</a:t>
-            </a:r>
-            <a:endParaRPr lang="fr-FR" dirty="0"/>
-          </a:p>
-          <a:p>
-            <a:r>
-              <a:rPr lang="fr-FR" dirty="0" smtClean="0"/>
-              <a:t>Apport </a:t>
-            </a:r>
-            <a:r>
-              <a:rPr lang="fr-FR" dirty="0"/>
-              <a:t>de </a:t>
-            </a:r>
-            <a:r>
-              <a:rPr lang="fr-FR" dirty="0" err="1"/>
-              <a:t>GitHub</a:t>
-            </a:r>
-            <a:r>
-              <a:rPr lang="fr-FR" dirty="0"/>
-              <a:t> </a:t>
-            </a:r>
-            <a:endParaRPr lang="fr-FR" dirty="0" smtClean="0"/>
-          </a:p>
-          <a:p>
-            <a:r>
-              <a:rPr lang="fr-FR" dirty="0" smtClean="0"/>
-              <a:t>Peu de support sur </a:t>
-            </a:r>
-            <a:r>
-              <a:rPr lang="fr-FR" dirty="0" err="1" smtClean="0"/>
-              <a:t>Crafty</a:t>
-            </a:r>
-            <a:endParaRPr lang="fr-FR" dirty="0" smtClean="0"/>
-          </a:p>
-          <a:p>
-            <a:r>
-              <a:rPr lang="fr-FR" dirty="0" smtClean="0"/>
-              <a:t>Délais</a:t>
-            </a:r>
-            <a:endParaRPr lang="fr-FR" dirty="0"/>
-          </a:p>
-        </p:txBody>
-      </p:sp>
-      <p:sp>
-        <p:nvSpPr>
-          <p:cNvPr id="11" name="Titre 10"/>
-          <p:cNvSpPr>
-            <a:spLocks noGrp="1"/>
-          </p:cNvSpPr>
-          <p:nvPr>
-            <p:ph type="title"/>
-          </p:nvPr>
-        </p:nvSpPr>
-        <p:spPr/>
-        <p:txBody>
-          <a:bodyPr>
-            <a:normAutofit/>
-          </a:bodyPr>
-          <a:lstStyle/>
-          <a:p>
-            <a:r>
-              <a:rPr lang="fr-FR" dirty="0" smtClean="0"/>
-              <a:t>Retour d’expérience</a:t>
+              <a:t> rencontrées</a:t>
             </a:r>
             <a:endParaRPr lang="fr-FR" dirty="0"/>
           </a:p>
@@ -17229,7 +17403,7 @@
     </p:spTree>
     <p:extLst>
       <p:ext uri="{BB962C8B-B14F-4D97-AF65-F5344CB8AC3E}">
-        <p14:creationId xmlns:p14="http://schemas.microsoft.com/office/powerpoint/2010/main" val="2068405147"/>
+        <p14:creationId xmlns:p14="http://schemas.microsoft.com/office/powerpoint/2010/main" val="1250794560"/>
       </p:ext>
     </p:extLst>
   </p:cSld>
@@ -17487,12 +17661,105 @@
       </p:grpSpPr>
       <p:sp>
         <p:nvSpPr>
-          <p:cNvPr id="2" name="Espace réservé du texte 1"/>
-          <p:cNvSpPr>
-            <a:spLocks noGrp="1"/>
-          </p:cNvSpPr>
-          <p:nvPr>
-            <p:ph type="body" sz="quarter" idx="13"/>
+          <p:cNvPr id="13" name="Espace réservé du contenu 12"/>
+          <p:cNvSpPr>
+            <a:spLocks noGrp="1"/>
+          </p:cNvSpPr>
+          <p:nvPr>
+            <p:ph idx="16"/>
+          </p:nvPr>
+        </p:nvSpPr>
+        <p:spPr>
+          <a:xfrm>
+            <a:off x="306000" y="1129308"/>
+            <a:ext cx="8532000" cy="1613132"/>
+          </a:xfrm>
+        </p:spPr>
+        <p:txBody>
+          <a:bodyPr>
+            <a:normAutofit fontScale="92500" lnSpcReduction="10000"/>
+          </a:bodyPr>
+          <a:lstStyle/>
+          <a:p>
+            <a:r>
+              <a:rPr lang="fr-FR" dirty="0" smtClean="0"/>
+              <a:t>CDC</a:t>
+            </a:r>
+            <a:r>
+              <a:rPr lang="fr-FR" dirty="0"/>
+              <a:t>: </a:t>
+            </a:r>
+            <a:r>
+              <a:rPr lang="fr-FR" dirty="0" smtClean="0"/>
+              <a:t>gérer la prise </a:t>
+            </a:r>
+            <a:r>
+              <a:rPr lang="fr-FR" dirty="0"/>
+              <a:t>de décision</a:t>
+            </a:r>
+          </a:p>
+          <a:p>
+            <a:r>
+              <a:rPr lang="fr-FR" dirty="0" smtClean="0"/>
+              <a:t>Git :entraide</a:t>
+            </a:r>
+            <a:endParaRPr lang="fr-FR" dirty="0"/>
+          </a:p>
+          <a:p>
+            <a:r>
+              <a:rPr lang="fr-FR" dirty="0" err="1" smtClean="0"/>
+              <a:t>Crafty</a:t>
+            </a:r>
+            <a:r>
+              <a:rPr lang="fr-FR" dirty="0"/>
+              <a:t>: usage de la doc</a:t>
+            </a:r>
+          </a:p>
+          <a:p>
+            <a:r>
+              <a:rPr lang="fr-FR" dirty="0" smtClean="0"/>
+              <a:t>Délais: être </a:t>
+            </a:r>
+            <a:r>
+              <a:rPr lang="fr-FR" dirty="0"/>
+              <a:t>réactif</a:t>
+            </a:r>
+          </a:p>
+        </p:txBody>
+      </p:sp>
+      <p:sp>
+        <p:nvSpPr>
+          <p:cNvPr id="11" name="Titre 10"/>
+          <p:cNvSpPr>
+            <a:spLocks noGrp="1"/>
+          </p:cNvSpPr>
+          <p:nvPr>
+            <p:ph type="title"/>
+          </p:nvPr>
+        </p:nvSpPr>
+        <p:spPr/>
+        <p:txBody>
+          <a:bodyPr>
+            <a:normAutofit/>
+          </a:bodyPr>
+          <a:lstStyle/>
+          <a:p>
+            <a:r>
+              <a:rPr lang="fr-FR" dirty="0" smtClean="0"/>
+              <a:t>Solutions mises en place</a:t>
+            </a:r>
+            <a:endParaRPr lang="fr-FR" dirty="0"/>
+          </a:p>
+        </p:txBody>
+      </p:sp>
+      <p:sp>
+        <p:nvSpPr>
+          <p:cNvPr id="6" name="Espace réservé du pied de page 5"/>
+          <p:cNvSpPr>
+            <a:spLocks noGrp="1"/>
+          </p:cNvSpPr>
+          <p:nvPr>
+            <p:ph type="ftr" sz="quarter" idx="18"/>
           </p:nvPr>
         </p:nvSpPr>
         <p:spPr/>
@@ -17500,138 +17767,11 @@
           <a:bodyPr/>
           <a:lstStyle/>
           <a:p>
+            <a:r>
+              <a:rPr lang="fr-FR"/>
+              <a:t>© SQLI Enterprise – SQLI GROUP | 2015 </a:t>
+            </a:r>
             <a:endParaRPr lang="fr-FR" dirty="0"/>
-          </a:p>
-        </p:txBody>
-      </p:sp>
-      <p:sp>
-        <p:nvSpPr>
-          <p:cNvPr id="3" name="Espace réservé du contenu 2"/>
-          <p:cNvSpPr>
-            <a:spLocks noGrp="1"/>
-          </p:cNvSpPr>
-          <p:nvPr>
-            <p:ph idx="16"/>
-          </p:nvPr>
-        </p:nvSpPr>
-        <p:spPr/>
-        <p:txBody>
-          <a:bodyPr/>
-          <a:lstStyle/>
-          <a:p>
-            <a:r>
-              <a:rPr lang="fr-FR" dirty="0" smtClean="0"/>
-              <a:t>Une </a:t>
-            </a:r>
-            <a:r>
-              <a:rPr lang="fr-FR" dirty="0"/>
-              <a:t>expérience très enrichissante même si le jeu n'est pas </a:t>
-            </a:r>
-            <a:r>
-              <a:rPr lang="fr-FR" dirty="0" smtClean="0"/>
-              <a:t>totalement </a:t>
-            </a:r>
-            <a:r>
-              <a:rPr lang="fr-FR" dirty="0"/>
-              <a:t>abouti au bout des 2 mois</a:t>
-            </a:r>
-          </a:p>
-          <a:p>
-            <a:r>
-              <a:rPr lang="fr-FR" dirty="0" smtClean="0"/>
-              <a:t>Faire </a:t>
-            </a:r>
-            <a:r>
-              <a:rPr lang="fr-FR" dirty="0"/>
-              <a:t>un feedback </a:t>
-            </a:r>
-            <a:r>
-              <a:rPr lang="fr-FR" dirty="0" smtClean="0"/>
-              <a:t>après l'XP </a:t>
-            </a:r>
-            <a:r>
-              <a:rPr lang="fr-FR" dirty="0"/>
-              <a:t>obtenue chez Cap (revenir sur le projet avec de </a:t>
-            </a:r>
-            <a:r>
-              <a:rPr lang="fr-FR" dirty="0" smtClean="0"/>
-              <a:t>nouveaux </a:t>
-            </a:r>
-            <a:r>
-              <a:rPr lang="fr-FR" dirty="0"/>
-              <a:t>outils et nouvelles méthodes)</a:t>
-            </a:r>
-          </a:p>
-        </p:txBody>
-      </p:sp>
-      <p:sp>
-        <p:nvSpPr>
-          <p:cNvPr id="4" name="Titre 3"/>
-          <p:cNvSpPr>
-            <a:spLocks noGrp="1"/>
-          </p:cNvSpPr>
-          <p:nvPr>
-            <p:ph type="title"/>
-          </p:nvPr>
-        </p:nvSpPr>
-        <p:spPr/>
-        <p:txBody>
-          <a:bodyPr/>
-          <a:lstStyle/>
-          <a:p>
-            <a:r>
-              <a:rPr lang="fr-FR" dirty="0"/>
-              <a:t>Conclusion </a:t>
-            </a:r>
-          </a:p>
-        </p:txBody>
-      </p:sp>
-      <p:sp>
-        <p:nvSpPr>
-          <p:cNvPr id="5" name="Espace réservé de la date 4"/>
-          <p:cNvSpPr>
-            <a:spLocks noGrp="1"/>
-          </p:cNvSpPr>
-          <p:nvPr>
-            <p:ph type="dt" sz="half" idx="17"/>
-          </p:nvPr>
-        </p:nvSpPr>
-        <p:spPr/>
-        <p:txBody>
-          <a:bodyPr/>
-          <a:lstStyle/>
-          <a:p>
-            <a:r>
-              <a:rPr lang="fr-FR" smtClean="0"/>
-              <a:t>&lt;Version&gt; - &lt;Date&gt;</a:t>
-            </a:r>
-            <a:endParaRPr lang="fr-FR" dirty="0"/>
-          </a:p>
-        </p:txBody>
-      </p:sp>
-      <p:sp>
-        <p:nvSpPr>
-          <p:cNvPr id="6" name="Espace réservé du pied de page 5"/>
-          <p:cNvSpPr>
-            <a:spLocks noGrp="1"/>
-          </p:cNvSpPr>
-          <p:nvPr>
-            <p:ph type="ftr" sz="quarter" idx="18"/>
-          </p:nvPr>
-        </p:nvSpPr>
-        <p:spPr/>
-        <p:txBody>
-          <a:bodyPr/>
-          <a:lstStyle/>
-          <a:p>
-            <a:pPr>
-              <a:defRPr/>
-            </a:pPr>
-            <a:r>
-              <a:rPr lang="fr-FR" smtClean="0"/>
-              <a:t>© SQLI Enterprise – SQLI GROUP | 2015 </a:t>
-            </a:r>
-            <a:endParaRPr lang="fr-FR"/>
           </a:p>
         </p:txBody>
       </p:sp>
@@ -17654,6 +17794,845 @@
               <a:rPr lang="fr-FR" smtClean="0"/>
               <a:pPr/>
               <a:t>12</a:t>
+            </a:fld>
+            <a:endParaRPr lang="fr-FR" dirty="0"/>
+          </a:p>
+        </p:txBody>
+      </p:sp>
+    </p:spTree>
+    <p:extLst>
+      <p:ext uri="{BB962C8B-B14F-4D97-AF65-F5344CB8AC3E}">
+        <p14:creationId xmlns:p14="http://schemas.microsoft.com/office/powerpoint/2010/main" val="2068405147"/>
+      </p:ext>
+    </p:extLst>
+  </p:cSld>
+  <p:clrMapOvr>
+    <a:masterClrMapping/>
+  </p:clrMapOvr>
+  <p:timing>
+    <p:tnLst>
+      <p:par>
+        <p:cTn id="1" dur="indefinite" restart="never" nodeType="tmRoot">
+          <p:childTnLst>
+            <p:seq concurrent="1" nextAc="seek">
+              <p:cTn id="2" dur="indefinite" nodeType="mainSeq">
+                <p:childTnLst>
+                  <p:par>
+                    <p:cTn id="3" fill="hold">
+                      <p:stCondLst>
+                        <p:cond delay="indefinite"/>
+                      </p:stCondLst>
+                      <p:childTnLst>
+                        <p:par>
+                          <p:cTn id="4" fill="hold">
+                            <p:stCondLst>
+                              <p:cond delay="0"/>
+                            </p:stCondLst>
+                            <p:childTnLst>
+                              <p:par>
+                                <p:cTn id="5" presetID="1" presetClass="entr" presetSubtype="0" fill="hold" grpId="0" nodeType="clickEffect">
+                                  <p:stCondLst>
+                                    <p:cond delay="0"/>
+                                  </p:stCondLst>
+                                  <p:childTnLst>
+                                    <p:set>
+                                      <p:cBhvr>
+                                        <p:cTn id="6" dur="1" fill="hold">
+                                          <p:stCondLst>
+                                            <p:cond delay="0"/>
+                                          </p:stCondLst>
+                                        </p:cTn>
+                                        <p:tgtEl>
+                                          <p:spTgt spid="13">
+                                            <p:txEl>
+                                              <p:pRg st="0" end="0"/>
+                                            </p:txEl>
+                                          </p:spTgt>
+                                        </p:tgtEl>
+                                        <p:attrNameLst>
+                                          <p:attrName>style.visibility</p:attrName>
+                                        </p:attrNameLst>
+                                      </p:cBhvr>
+                                      <p:to>
+                                        <p:strVal val="visible"/>
+                                      </p:to>
+                                    </p:set>
+                                  </p:childTnLst>
+                                </p:cTn>
+                              </p:par>
+                            </p:childTnLst>
+                          </p:cTn>
+                        </p:par>
+                      </p:childTnLst>
+                    </p:cTn>
+                  </p:par>
+                  <p:par>
+                    <p:cTn id="7" fill="hold">
+                      <p:stCondLst>
+                        <p:cond delay="indefinite"/>
+                      </p:stCondLst>
+                      <p:childTnLst>
+                        <p:par>
+                          <p:cTn id="8" fill="hold">
+                            <p:stCondLst>
+                              <p:cond delay="0"/>
+                            </p:stCondLst>
+                            <p:childTnLst>
+                              <p:par>
+                                <p:cTn id="9" presetID="1" presetClass="entr" presetSubtype="0" fill="hold" grpId="0" nodeType="clickEffect">
+                                  <p:stCondLst>
+                                    <p:cond delay="0"/>
+                                  </p:stCondLst>
+                                  <p:childTnLst>
+                                    <p:set>
+                                      <p:cBhvr>
+                                        <p:cTn id="10" dur="1" fill="hold">
+                                          <p:stCondLst>
+                                            <p:cond delay="0"/>
+                                          </p:stCondLst>
+                                        </p:cTn>
+                                        <p:tgtEl>
+                                          <p:spTgt spid="13">
+                                            <p:txEl>
+                                              <p:pRg st="1" end="1"/>
+                                            </p:txEl>
+                                          </p:spTgt>
+                                        </p:tgtEl>
+                                        <p:attrNameLst>
+                                          <p:attrName>style.visibility</p:attrName>
+                                        </p:attrNameLst>
+                                      </p:cBhvr>
+                                      <p:to>
+                                        <p:strVal val="visible"/>
+                                      </p:to>
+                                    </p:set>
+                                  </p:childTnLst>
+                                </p:cTn>
+                              </p:par>
+                            </p:childTnLst>
+                          </p:cTn>
+                        </p:par>
+                      </p:childTnLst>
+                    </p:cTn>
+                  </p:par>
+                  <p:par>
+                    <p:cTn id="11" fill="hold">
+                      <p:stCondLst>
+                        <p:cond delay="indefinite"/>
+                      </p:stCondLst>
+                      <p:childTnLst>
+                        <p:par>
+                          <p:cTn id="12" fill="hold">
+                            <p:stCondLst>
+                              <p:cond delay="0"/>
+                            </p:stCondLst>
+                            <p:childTnLst>
+                              <p:par>
+                                <p:cTn id="13" presetID="1" presetClass="entr" presetSubtype="0" fill="hold" grpId="0" nodeType="clickEffect">
+                                  <p:stCondLst>
+                                    <p:cond delay="0"/>
+                                  </p:stCondLst>
+                                  <p:childTnLst>
+                                    <p:set>
+                                      <p:cBhvr>
+                                        <p:cTn id="14" dur="1" fill="hold">
+                                          <p:stCondLst>
+                                            <p:cond delay="0"/>
+                                          </p:stCondLst>
+                                        </p:cTn>
+                                        <p:tgtEl>
+                                          <p:spTgt spid="13">
+                                            <p:txEl>
+                                              <p:pRg st="2" end="2"/>
+                                            </p:txEl>
+                                          </p:spTgt>
+                                        </p:tgtEl>
+                                        <p:attrNameLst>
+                                          <p:attrName>style.visibility</p:attrName>
+                                        </p:attrNameLst>
+                                      </p:cBhvr>
+                                      <p:to>
+                                        <p:strVal val="visible"/>
+                                      </p:to>
+                                    </p:set>
+                                  </p:childTnLst>
+                                </p:cTn>
+                              </p:par>
+                            </p:childTnLst>
+                          </p:cTn>
+                        </p:par>
+                      </p:childTnLst>
+                    </p:cTn>
+                  </p:par>
+                  <p:par>
+                    <p:cTn id="15" fill="hold">
+                      <p:stCondLst>
+                        <p:cond delay="indefinite"/>
+                      </p:stCondLst>
+                      <p:childTnLst>
+                        <p:par>
+                          <p:cTn id="16" fill="hold">
+                            <p:stCondLst>
+                              <p:cond delay="0"/>
+                            </p:stCondLst>
+                            <p:childTnLst>
+                              <p:par>
+                                <p:cTn id="17" presetID="1" presetClass="entr" presetSubtype="0" fill="hold" grpId="0" nodeType="clickEffect">
+                                  <p:stCondLst>
+                                    <p:cond delay="0"/>
+                                  </p:stCondLst>
+                                  <p:childTnLst>
+                                    <p:set>
+                                      <p:cBhvr>
+                                        <p:cTn id="18" dur="1" fill="hold">
+                                          <p:stCondLst>
+                                            <p:cond delay="0"/>
+                                          </p:stCondLst>
+                                        </p:cTn>
+                                        <p:tgtEl>
+                                          <p:spTgt spid="13">
+                                            <p:txEl>
+                                              <p:pRg st="3" end="3"/>
+                                            </p:txEl>
+                                          </p:spTgt>
+                                        </p:tgtEl>
+                                        <p:attrNameLst>
+                                          <p:attrName>style.visibility</p:attrName>
+                                        </p:attrNameLst>
+                                      </p:cBhvr>
+                                      <p:to>
+                                        <p:strVal val="visible"/>
+                                      </p:to>
+                                    </p:set>
+                                  </p:childTnLst>
+                                </p:cTn>
+                              </p:par>
+                            </p:childTnLst>
+                          </p:cTn>
+                        </p:par>
+                      </p:childTnLst>
+                    </p:cTn>
+                  </p:par>
+                </p:childTnLst>
+              </p:cTn>
+              <p:prevCondLst>
+                <p:cond evt="onPrev" delay="0">
+                  <p:tgtEl>
+                    <p:sldTgt/>
+                  </p:tgtEl>
+                </p:cond>
+              </p:prevCondLst>
+              <p:nextCondLst>
+                <p:cond evt="onNext" delay="0">
+                  <p:tgtEl>
+                    <p:sldTgt/>
+                  </p:tgtEl>
+                </p:cond>
+              </p:nextCondLst>
+            </p:seq>
+          </p:childTnLst>
+        </p:cTn>
+      </p:par>
+    </p:tnLst>
+    <p:bldLst>
+      <p:bldP spid="13" grpId="0" build="p"/>
+    </p:bldLst>
+  </p:timing>
+</p:sld>
+</file>
+
+<file path=ppt/slides/slide13.xml><?xml version="1.0" encoding="utf-8"?>
+<p:sld xmlns:a="http://schemas.openxmlformats.org/drawingml/2006/main" xmlns:r="http://schemas.openxmlformats.org/officeDocument/2006/relationships" xmlns:p="http://schemas.openxmlformats.org/presentationml/2006/main">
+  <p:cSld>
+    <p:spTree>
+      <p:nvGrpSpPr>
+        <p:cNvPr id="1" name=""/>
+        <p:cNvGrpSpPr/>
+        <p:nvPr/>
+      </p:nvGrpSpPr>
+      <p:grpSpPr>
+        <a:xfrm>
+          <a:off x="0" y="0"/>
+          <a:ext cx="0" cy="0"/>
+          <a:chOff x="0" y="0"/>
+          <a:chExt cx="0" cy="0"/>
+        </a:xfrm>
+      </p:grpSpPr>
+      <p:sp>
+        <p:nvSpPr>
+          <p:cNvPr id="13" name="Espace réservé du contenu 12"/>
+          <p:cNvSpPr>
+            <a:spLocks noGrp="1"/>
+          </p:cNvSpPr>
+          <p:nvPr>
+            <p:ph idx="16"/>
+          </p:nvPr>
+        </p:nvSpPr>
+        <p:spPr>
+          <a:xfrm>
+            <a:off x="306000" y="1129308"/>
+            <a:ext cx="8730496" cy="2160240"/>
+          </a:xfrm>
+        </p:spPr>
+        <p:txBody>
+          <a:bodyPr>
+            <a:normAutofit/>
+          </a:bodyPr>
+          <a:lstStyle/>
+          <a:p>
+            <a:r>
+              <a:rPr lang="fr-FR" dirty="0" smtClean="0"/>
+              <a:t>Travail </a:t>
+            </a:r>
+            <a:r>
+              <a:rPr lang="fr-FR" dirty="0"/>
+              <a:t>de groupe avec des </a:t>
+            </a:r>
+            <a:r>
+              <a:rPr lang="fr-FR" dirty="0" smtClean="0"/>
+              <a:t>profils différents</a:t>
+            </a:r>
+            <a:endParaRPr lang="fr-FR" dirty="0"/>
+          </a:p>
+          <a:p>
+            <a:r>
+              <a:rPr lang="fr-FR" dirty="0" smtClean="0"/>
+              <a:t>Apport </a:t>
+            </a:r>
+            <a:r>
+              <a:rPr lang="fr-FR" dirty="0"/>
+              <a:t>de </a:t>
+            </a:r>
+            <a:r>
+              <a:rPr lang="fr-FR" dirty="0" err="1"/>
+              <a:t>GitHub</a:t>
+            </a:r>
+            <a:r>
+              <a:rPr lang="fr-FR" dirty="0"/>
+              <a:t> </a:t>
+            </a:r>
+            <a:endParaRPr lang="fr-FR" dirty="0" smtClean="0"/>
+          </a:p>
+          <a:p>
+            <a:r>
+              <a:rPr lang="fr-FR" dirty="0" smtClean="0"/>
+              <a:t>Peu de support sur </a:t>
+            </a:r>
+            <a:r>
+              <a:rPr lang="fr-FR" dirty="0" err="1" smtClean="0"/>
+              <a:t>Crafty</a:t>
+            </a:r>
+            <a:endParaRPr lang="fr-FR" dirty="0" smtClean="0"/>
+          </a:p>
+          <a:p>
+            <a:r>
+              <a:rPr lang="fr-FR" dirty="0" smtClean="0"/>
+              <a:t>Délais</a:t>
+            </a:r>
+            <a:endParaRPr lang="fr-FR" dirty="0"/>
+          </a:p>
+        </p:txBody>
+      </p:sp>
+      <p:sp>
+        <p:nvSpPr>
+          <p:cNvPr id="11" name="Titre 10"/>
+          <p:cNvSpPr>
+            <a:spLocks noGrp="1"/>
+          </p:cNvSpPr>
+          <p:nvPr>
+            <p:ph type="title"/>
+          </p:nvPr>
+        </p:nvSpPr>
+        <p:spPr/>
+        <p:txBody>
+          <a:bodyPr>
+            <a:normAutofit/>
+          </a:bodyPr>
+          <a:lstStyle/>
+          <a:p>
+            <a:r>
+              <a:rPr lang="fr-FR" dirty="0" smtClean="0"/>
+              <a:t>Retour d’expérience</a:t>
+            </a:r>
+            <a:endParaRPr lang="fr-FR" dirty="0"/>
+          </a:p>
+        </p:txBody>
+      </p:sp>
+      <p:sp>
+        <p:nvSpPr>
+          <p:cNvPr id="6" name="Espace réservé du pied de page 5"/>
+          <p:cNvSpPr>
+            <a:spLocks noGrp="1"/>
+          </p:cNvSpPr>
+          <p:nvPr>
+            <p:ph type="ftr" sz="quarter" idx="18"/>
+          </p:nvPr>
+        </p:nvSpPr>
+        <p:spPr/>
+        <p:txBody>
+          <a:bodyPr/>
+          <a:lstStyle/>
+          <a:p>
+            <a:r>
+              <a:rPr lang="fr-FR"/>
+              <a:t>© SQLI Enterprise – SQLI GROUP | 2015 </a:t>
+            </a:r>
+            <a:endParaRPr lang="fr-FR" dirty="0"/>
+          </a:p>
+        </p:txBody>
+      </p:sp>
+      <p:sp>
+        <p:nvSpPr>
+          <p:cNvPr id="7" name="Espace réservé du numéro de diapositive 6"/>
+          <p:cNvSpPr>
+            <a:spLocks noGrp="1"/>
+          </p:cNvSpPr>
+          <p:nvPr>
+            <p:ph type="sldNum" sz="quarter" idx="19"/>
+          </p:nvPr>
+        </p:nvSpPr>
+        <p:spPr/>
+        <p:txBody>
+          <a:bodyPr/>
+          <a:lstStyle/>
+          <a:p>
+            <a:fld id="{F1F5C55A-AAC4-4FAB-A004-0267178C4D8A}" type="slidenum">
+              <a:rPr lang="fr-FR" smtClean="0"/>
+              <a:pPr/>
+              <a:t>13</a:t>
+            </a:fld>
+            <a:endParaRPr lang="fr-FR" dirty="0"/>
+          </a:p>
+        </p:txBody>
+      </p:sp>
+    </p:spTree>
+    <p:extLst>
+      <p:ext uri="{BB962C8B-B14F-4D97-AF65-F5344CB8AC3E}">
+        <p14:creationId xmlns:p14="http://schemas.microsoft.com/office/powerpoint/2010/main" val="2068405147"/>
+      </p:ext>
+    </p:extLst>
+  </p:cSld>
+  <p:clrMapOvr>
+    <a:masterClrMapping/>
+  </p:clrMapOvr>
+  <p:timing>
+    <p:tnLst>
+      <p:par>
+        <p:cTn id="1" dur="indefinite" restart="never" nodeType="tmRoot">
+          <p:childTnLst>
+            <p:seq concurrent="1" nextAc="seek">
+              <p:cTn id="2" dur="indefinite" nodeType="mainSeq">
+                <p:childTnLst>
+                  <p:par>
+                    <p:cTn id="3" fill="hold">
+                      <p:stCondLst>
+                        <p:cond delay="indefinite"/>
+                      </p:stCondLst>
+                      <p:childTnLst>
+                        <p:par>
+                          <p:cTn id="4" fill="hold">
+                            <p:stCondLst>
+                              <p:cond delay="0"/>
+                            </p:stCondLst>
+                            <p:childTnLst>
+                              <p:par>
+                                <p:cTn id="5" presetID="1" presetClass="entr" presetSubtype="0" fill="hold" grpId="0" nodeType="clickEffect">
+                                  <p:stCondLst>
+                                    <p:cond delay="0"/>
+                                  </p:stCondLst>
+                                  <p:childTnLst>
+                                    <p:set>
+                                      <p:cBhvr>
+                                        <p:cTn id="6" dur="1" fill="hold">
+                                          <p:stCondLst>
+                                            <p:cond delay="0"/>
+                                          </p:stCondLst>
+                                        </p:cTn>
+                                        <p:tgtEl>
+                                          <p:spTgt spid="13">
+                                            <p:txEl>
+                                              <p:pRg st="0" end="0"/>
+                                            </p:txEl>
+                                          </p:spTgt>
+                                        </p:tgtEl>
+                                        <p:attrNameLst>
+                                          <p:attrName>style.visibility</p:attrName>
+                                        </p:attrNameLst>
+                                      </p:cBhvr>
+                                      <p:to>
+                                        <p:strVal val="visible"/>
+                                      </p:to>
+                                    </p:set>
+                                  </p:childTnLst>
+                                </p:cTn>
+                              </p:par>
+                            </p:childTnLst>
+                          </p:cTn>
+                        </p:par>
+                      </p:childTnLst>
+                    </p:cTn>
+                  </p:par>
+                  <p:par>
+                    <p:cTn id="7" fill="hold">
+                      <p:stCondLst>
+                        <p:cond delay="indefinite"/>
+                      </p:stCondLst>
+                      <p:childTnLst>
+                        <p:par>
+                          <p:cTn id="8" fill="hold">
+                            <p:stCondLst>
+                              <p:cond delay="0"/>
+                            </p:stCondLst>
+                            <p:childTnLst>
+                              <p:par>
+                                <p:cTn id="9" presetID="1" presetClass="entr" presetSubtype="0" fill="hold" grpId="0" nodeType="clickEffect">
+                                  <p:stCondLst>
+                                    <p:cond delay="0"/>
+                                  </p:stCondLst>
+                                  <p:childTnLst>
+                                    <p:set>
+                                      <p:cBhvr>
+                                        <p:cTn id="10" dur="1" fill="hold">
+                                          <p:stCondLst>
+                                            <p:cond delay="0"/>
+                                          </p:stCondLst>
+                                        </p:cTn>
+                                        <p:tgtEl>
+                                          <p:spTgt spid="13">
+                                            <p:txEl>
+                                              <p:pRg st="1" end="1"/>
+                                            </p:txEl>
+                                          </p:spTgt>
+                                        </p:tgtEl>
+                                        <p:attrNameLst>
+                                          <p:attrName>style.visibility</p:attrName>
+                                        </p:attrNameLst>
+                                      </p:cBhvr>
+                                      <p:to>
+                                        <p:strVal val="visible"/>
+                                      </p:to>
+                                    </p:set>
+                                  </p:childTnLst>
+                                </p:cTn>
+                              </p:par>
+                            </p:childTnLst>
+                          </p:cTn>
+                        </p:par>
+                      </p:childTnLst>
+                    </p:cTn>
+                  </p:par>
+                  <p:par>
+                    <p:cTn id="11" fill="hold">
+                      <p:stCondLst>
+                        <p:cond delay="indefinite"/>
+                      </p:stCondLst>
+                      <p:childTnLst>
+                        <p:par>
+                          <p:cTn id="12" fill="hold">
+                            <p:stCondLst>
+                              <p:cond delay="0"/>
+                            </p:stCondLst>
+                            <p:childTnLst>
+                              <p:par>
+                                <p:cTn id="13" presetID="1" presetClass="entr" presetSubtype="0" fill="hold" grpId="0" nodeType="clickEffect">
+                                  <p:stCondLst>
+                                    <p:cond delay="0"/>
+                                  </p:stCondLst>
+                                  <p:childTnLst>
+                                    <p:set>
+                                      <p:cBhvr>
+                                        <p:cTn id="14" dur="1" fill="hold">
+                                          <p:stCondLst>
+                                            <p:cond delay="0"/>
+                                          </p:stCondLst>
+                                        </p:cTn>
+                                        <p:tgtEl>
+                                          <p:spTgt spid="13">
+                                            <p:txEl>
+                                              <p:pRg st="2" end="2"/>
+                                            </p:txEl>
+                                          </p:spTgt>
+                                        </p:tgtEl>
+                                        <p:attrNameLst>
+                                          <p:attrName>style.visibility</p:attrName>
+                                        </p:attrNameLst>
+                                      </p:cBhvr>
+                                      <p:to>
+                                        <p:strVal val="visible"/>
+                                      </p:to>
+                                    </p:set>
+                                  </p:childTnLst>
+                                </p:cTn>
+                              </p:par>
+                            </p:childTnLst>
+                          </p:cTn>
+                        </p:par>
+                      </p:childTnLst>
+                    </p:cTn>
+                  </p:par>
+                  <p:par>
+                    <p:cTn id="15" fill="hold">
+                      <p:stCondLst>
+                        <p:cond delay="indefinite"/>
+                      </p:stCondLst>
+                      <p:childTnLst>
+                        <p:par>
+                          <p:cTn id="16" fill="hold">
+                            <p:stCondLst>
+                              <p:cond delay="0"/>
+                            </p:stCondLst>
+                            <p:childTnLst>
+                              <p:par>
+                                <p:cTn id="17" presetID="1" presetClass="entr" presetSubtype="0" fill="hold" grpId="0" nodeType="clickEffect">
+                                  <p:stCondLst>
+                                    <p:cond delay="0"/>
+                                  </p:stCondLst>
+                                  <p:childTnLst>
+                                    <p:set>
+                                      <p:cBhvr>
+                                        <p:cTn id="18" dur="1" fill="hold">
+                                          <p:stCondLst>
+                                            <p:cond delay="0"/>
+                                          </p:stCondLst>
+                                        </p:cTn>
+                                        <p:tgtEl>
+                                          <p:spTgt spid="13">
+                                            <p:txEl>
+                                              <p:pRg st="3" end="3"/>
+                                            </p:txEl>
+                                          </p:spTgt>
+                                        </p:tgtEl>
+                                        <p:attrNameLst>
+                                          <p:attrName>style.visibility</p:attrName>
+                                        </p:attrNameLst>
+                                      </p:cBhvr>
+                                      <p:to>
+                                        <p:strVal val="visible"/>
+                                      </p:to>
+                                    </p:set>
+                                  </p:childTnLst>
+                                </p:cTn>
+                              </p:par>
+                            </p:childTnLst>
+                          </p:cTn>
+                        </p:par>
+                      </p:childTnLst>
+                    </p:cTn>
+                  </p:par>
+                </p:childTnLst>
+              </p:cTn>
+              <p:prevCondLst>
+                <p:cond evt="onPrev" delay="0">
+                  <p:tgtEl>
+                    <p:sldTgt/>
+                  </p:tgtEl>
+                </p:cond>
+              </p:prevCondLst>
+              <p:nextCondLst>
+                <p:cond evt="onNext" delay="0">
+                  <p:tgtEl>
+                    <p:sldTgt/>
+                  </p:tgtEl>
+                </p:cond>
+              </p:nextCondLst>
+            </p:seq>
+          </p:childTnLst>
+        </p:cTn>
+      </p:par>
+    </p:tnLst>
+    <p:bldLst>
+      <p:bldP spid="13" grpId="0" build="p"/>
+    </p:bldLst>
+  </p:timing>
+</p:sld>
+</file>
+
+<file path=ppt/slides/slide14.xml><?xml version="1.0" encoding="utf-8"?>
+<p:sld xmlns:a="http://schemas.openxmlformats.org/drawingml/2006/main" xmlns:r="http://schemas.openxmlformats.org/officeDocument/2006/relationships" xmlns:p="http://schemas.openxmlformats.org/presentationml/2006/main">
+  <p:cSld>
+    <p:spTree>
+      <p:nvGrpSpPr>
+        <p:cNvPr id="1" name=""/>
+        <p:cNvGrpSpPr/>
+        <p:nvPr/>
+      </p:nvGrpSpPr>
+      <p:grpSpPr>
+        <a:xfrm>
+          <a:off x="0" y="0"/>
+          <a:ext cx="0" cy="0"/>
+          <a:chOff x="0" y="0"/>
+          <a:chExt cx="0" cy="0"/>
+        </a:xfrm>
+      </p:grpSpPr>
+      <p:sp>
+        <p:nvSpPr>
+          <p:cNvPr id="2" name="Espace réservé du texte 1"/>
+          <p:cNvSpPr>
+            <a:spLocks noGrp="1"/>
+          </p:cNvSpPr>
+          <p:nvPr>
+            <p:ph type="body" sz="quarter" idx="13"/>
+          </p:nvPr>
+        </p:nvSpPr>
+        <p:spPr/>
+        <p:txBody>
+          <a:bodyPr/>
+          <a:lstStyle/>
+          <a:p>
+            <a:endParaRPr lang="fr-FR" dirty="0"/>
+          </a:p>
+        </p:txBody>
+      </p:sp>
+      <p:sp>
+        <p:nvSpPr>
+          <p:cNvPr id="3" name="Espace réservé du contenu 2"/>
+          <p:cNvSpPr>
+            <a:spLocks noGrp="1"/>
+          </p:cNvSpPr>
+          <p:nvPr>
+            <p:ph idx="16"/>
+          </p:nvPr>
+        </p:nvSpPr>
+        <p:spPr/>
+        <p:txBody>
+          <a:bodyPr/>
+          <a:lstStyle/>
+          <a:p>
+            <a:r>
+              <a:rPr lang="fr-FR" dirty="0" smtClean="0"/>
+              <a:t>Une </a:t>
+            </a:r>
+            <a:r>
+              <a:rPr lang="fr-FR" dirty="0"/>
+              <a:t>expérience très enrichissante même si le jeu n'est pas </a:t>
+            </a:r>
+            <a:r>
+              <a:rPr lang="fr-FR" dirty="0" smtClean="0"/>
+              <a:t>totalement </a:t>
+            </a:r>
+            <a:r>
+              <a:rPr lang="fr-FR" dirty="0"/>
+              <a:t>abouti au bout des 2 mois</a:t>
+            </a:r>
+          </a:p>
+          <a:p>
+            <a:r>
+              <a:rPr lang="fr-FR" dirty="0" smtClean="0"/>
+              <a:t>Faire </a:t>
+            </a:r>
+            <a:r>
+              <a:rPr lang="fr-FR" dirty="0"/>
+              <a:t>un feedback </a:t>
+            </a:r>
+            <a:r>
+              <a:rPr lang="fr-FR" dirty="0" smtClean="0"/>
+              <a:t>après l'XP </a:t>
+            </a:r>
+            <a:r>
+              <a:rPr lang="fr-FR" dirty="0"/>
+              <a:t>obtenue chez Cap (revenir sur le projet avec de </a:t>
+            </a:r>
+            <a:r>
+              <a:rPr lang="fr-FR" dirty="0" smtClean="0"/>
+              <a:t>nouveaux </a:t>
+            </a:r>
+            <a:r>
+              <a:rPr lang="fr-FR" dirty="0"/>
+              <a:t>outils et nouvelles méthodes)</a:t>
+            </a:r>
+          </a:p>
+        </p:txBody>
+      </p:sp>
+      <p:sp>
+        <p:nvSpPr>
+          <p:cNvPr id="4" name="Titre 3"/>
+          <p:cNvSpPr>
+            <a:spLocks noGrp="1"/>
+          </p:cNvSpPr>
+          <p:nvPr>
+            <p:ph type="title"/>
+          </p:nvPr>
+        </p:nvSpPr>
+        <p:spPr/>
+        <p:txBody>
+          <a:bodyPr/>
+          <a:lstStyle/>
+          <a:p>
+            <a:r>
+              <a:rPr lang="fr-FR" dirty="0"/>
+              <a:t>Conclusion </a:t>
+            </a:r>
+          </a:p>
+        </p:txBody>
+      </p:sp>
+      <p:sp>
+        <p:nvSpPr>
+          <p:cNvPr id="5" name="Espace réservé de la date 4"/>
+          <p:cNvSpPr>
+            <a:spLocks noGrp="1"/>
+          </p:cNvSpPr>
+          <p:nvPr>
+            <p:ph type="dt" sz="half" idx="17"/>
+          </p:nvPr>
+        </p:nvSpPr>
+        <p:spPr/>
+        <p:txBody>
+          <a:bodyPr/>
+          <a:lstStyle/>
+          <a:p>
+            <a:r>
+              <a:rPr lang="fr-FR" smtClean="0"/>
+              <a:t>&lt;Version&gt; - &lt;Date&gt;</a:t>
+            </a:r>
+            <a:endParaRPr lang="fr-FR" dirty="0"/>
+          </a:p>
+        </p:txBody>
+      </p:sp>
+      <p:sp>
+        <p:nvSpPr>
+          <p:cNvPr id="6" name="Espace réservé du pied de page 5"/>
+          <p:cNvSpPr>
+            <a:spLocks noGrp="1"/>
+          </p:cNvSpPr>
+          <p:nvPr>
+            <p:ph type="ftr" sz="quarter" idx="18"/>
+          </p:nvPr>
+        </p:nvSpPr>
+        <p:spPr/>
+        <p:txBody>
+          <a:bodyPr/>
+          <a:lstStyle/>
+          <a:p>
+            <a:pPr>
+              <a:defRPr/>
+            </a:pPr>
+            <a:r>
+              <a:rPr lang="fr-FR" smtClean="0"/>
+              <a:t>© SQLI Enterprise – SQLI GROUP | 2015 </a:t>
+            </a:r>
+            <a:endParaRPr lang="fr-FR"/>
+          </a:p>
+        </p:txBody>
+      </p:sp>
+      <p:sp>
+        <p:nvSpPr>
+          <p:cNvPr id="7" name="Espace réservé du numéro de diapositive 6"/>
+          <p:cNvSpPr>
+            <a:spLocks noGrp="1"/>
+          </p:cNvSpPr>
+          <p:nvPr>
+            <p:ph type="sldNum" sz="quarter" idx="19"/>
+          </p:nvPr>
+        </p:nvSpPr>
+        <p:spPr/>
+        <p:txBody>
+          <a:bodyPr/>
+          <a:lstStyle/>
+          <a:p>
+            <a:fld id="{F1F5C55A-AAC4-4FAB-A004-0267178C4D8A}" type="slidenum">
+              <a:rPr lang="fr-FR" smtClean="0"/>
+              <a:pPr/>
+              <a:t>14</a:t>
             </a:fld>
             <a:endParaRPr lang="fr-FR" dirty="0"/>
           </a:p>
@@ -18114,11 +19093,7 @@
           <a:p>
             <a:r>
               <a:rPr lang="fr-FR" dirty="0" smtClean="0"/>
-              <a:t>But </a:t>
-            </a:r>
-            <a:r>
-              <a:rPr lang="fr-FR" dirty="0" smtClean="0"/>
-              <a:t>du jeu: gérer la ville et faire une ascension politique</a:t>
+              <a:t>But du jeu: gérer la ville et faire une ascension politique</a:t>
             </a:r>
             <a:endParaRPr lang="fr-FR" dirty="0"/>
           </a:p>
@@ -18499,7 +19474,6 @@
               <a:rPr lang="fr-FR" dirty="0" smtClean="0"/>
               <a:t> Jessie 8</a:t>
             </a:r>
-            <a:endParaRPr lang="fr-FR" dirty="0" smtClean="0"/>
           </a:p>
           <a:p>
             <a:endParaRPr lang="fr-FR" dirty="0" smtClean="0"/>
@@ -19475,11 +20449,7 @@
           <a:p>
             <a:r>
               <a:rPr lang="fr-FR" dirty="0" smtClean="0"/>
-              <a:t>Développement</a:t>
-            </a:r>
-            <a:r>
-              <a:rPr lang="fr-FR" dirty="0" smtClean="0"/>
-              <a:t> Client</a:t>
+              <a:t>Développement Client</a:t>
             </a:r>
             <a:endParaRPr lang="fr-FR" dirty="0"/>
           </a:p>
@@ -19834,32 +20804,35 @@
           <a:chExt cx="0" cy="0"/>
         </a:xfrm>
       </p:grpSpPr>
-      <p:sp>
-        <p:nvSpPr>
-          <p:cNvPr id="13" name="Espace réservé du contenu 12"/>
-          <p:cNvSpPr>
-            <a:spLocks noGrp="1"/>
-          </p:cNvSpPr>
+      <p:pic>
+        <p:nvPicPr>
+          <p:cNvPr id="2" name="Espace réservé du contenu 1"/>
+          <p:cNvPicPr>
+            <a:picLocks noGrp="1" noChangeAspect="1"/>
+          </p:cNvPicPr>
           <p:nvPr>
             <p:ph idx="16"/>
           </p:nvPr>
-        </p:nvSpPr>
+        </p:nvPicPr>
+        <p:blipFill>
+          <a:blip r:embed="rId2" cstate="print">
+            <a:extLst>
+              <a:ext uri="{28A0092B-C50C-407E-A947-70E740481C1C}">
+                <a14:useLocalDpi xmlns:a14="http://schemas.microsoft.com/office/drawing/2010/main" val="0"/>
+              </a:ext>
+            </a:extLst>
+          </a:blip>
+          <a:stretch>
+            <a:fillRect/>
+          </a:stretch>
+        </p:blipFill>
         <p:spPr>
           <a:xfrm>
-            <a:off x="306000" y="1129308"/>
-            <a:ext cx="8532000" cy="1613132"/>
+            <a:off x="2555776" y="841276"/>
+            <a:ext cx="2696905" cy="4056644"/>
           </a:xfrm>
         </p:spPr>
-        <p:txBody>
-          <a:bodyPr>
-            <a:normAutofit/>
-          </a:bodyPr>
-          <a:lstStyle/>
-          <a:p>
-            <a:endParaRPr lang="fr-FR" dirty="0"/>
-          </a:p>
-        </p:txBody>
-      </p:sp>
+      </p:pic>
       <p:sp>
         <p:nvSpPr>
           <p:cNvPr id="11" name="Titre 10"/>
@@ -19945,89 +20918,9 @@
   <p:timing>
     <p:tnLst>
       <p:par>
-        <p:cTn id="1" dur="indefinite" restart="never" nodeType="tmRoot">
-          <p:childTnLst>
-            <p:seq concurrent="1" nextAc="seek">
-              <p:cTn id="2" dur="indefinite" nodeType="mainSeq">
-                <p:childTnLst>
-                  <p:par>
-                    <p:cTn id="3" fill="hold">
-                      <p:stCondLst>
-                        <p:cond delay="indefinite"/>
-                      </p:stCondLst>
-                      <p:childTnLst>
-                        <p:par>
-                          <p:cTn id="4" fill="hold">
-                            <p:stCondLst>
-                              <p:cond delay="0"/>
-                            </p:stCondLst>
-                            <p:childTnLst>
-                              <p:par>
-                                <p:cTn id="5" presetID="1" presetClass="entr" presetSubtype="0" fill="hold" grpId="0" nodeType="clickEffect" nodePh="1">
-                                  <p:stCondLst>
-                                    <p:cond delay="0"/>
-                                  </p:stCondLst>
-                                  <p:endCondLst>
-                                    <p:cond evt="begin" delay="0">
-                                      <p:tn val="5"/>
-                                    </p:cond>
-                                  </p:endCondLst>
-                                  <p:childTnLst>
-                                    <p:set>
-                                      <p:cBhvr>
-                                        <p:cTn id="6" dur="1" fill="hold">
-                                          <p:stCondLst>
-                                            <p:cond delay="0"/>
-                                          </p:stCondLst>
-                                        </p:cTn>
-                                        <p:tgtEl>
-                                          <p:spTgt spid="13">
-                                            <p:txEl>
-                                              <p:pRg st="0" end="0"/>
-                                            </p:txEl>
-                                          </p:spTgt>
-                                        </p:tgtEl>
-                                        <p:attrNameLst>
-                                          <p:attrName>style.visibility</p:attrName>
-                                        </p:attrNameLst>
-                                      </p:cBhvr>
-                                      <p:to>
-                                        <p:strVal val="visible"/>
-                                      </p:to>
-                                    </p:set>
-                                  </p:childTnLst>
-                                </p:cTn>
-                              </p:par>
-                            </p:childTnLst>
-                          </p:cTn>
-                        </p:par>
-                      </p:childTnLst>
-                    </p:cTn>
-                  </p:par>
-                </p:childTnLst>
-              </p:cTn>
-              <p:prevCondLst>
-                <p:cond evt="onPrev" delay="0">
-                  <p:tgtEl>
-                    <p:sldTgt/>
-                  </p:tgtEl>
-                </p:cond>
-              </p:prevCondLst>
-              <p:nextCondLst>
-                <p:cond evt="onNext" delay="0">
-                  <p:tgtEl>
-                    <p:sldTgt/>
-                  </p:tgtEl>
-                </p:cond>
-              </p:nextCondLst>
-            </p:seq>
-          </p:childTnLst>
-        </p:cTn>
+        <p:cTn id="1" dur="indefinite" restart="never" nodeType="tmRoot"/>
       </p:par>
     </p:tnLst>
-    <p:bldLst>
-      <p:bldP spid="13" grpId="0" build="p"/>
-    </p:bldLst>
   </p:timing>
 </p:sld>
 </file>
@@ -20049,122 +20942,43 @@
           <a:chExt cx="0" cy="0"/>
         </a:xfrm>
       </p:grpSpPr>
-      <p:sp>
-        <p:nvSpPr>
-          <p:cNvPr id="13" name="Espace réservé du contenu 12"/>
-          <p:cNvSpPr>
-            <a:spLocks noGrp="1"/>
-          </p:cNvSpPr>
+      <p:pic>
+        <p:nvPicPr>
+          <p:cNvPr id="8" name="Espace réservé du contenu 7"/>
+          <p:cNvPicPr>
+            <a:picLocks noGrp="1" noChangeAspect="1"/>
+          </p:cNvPicPr>
           <p:nvPr>
             <p:ph idx="16"/>
           </p:nvPr>
-        </p:nvSpPr>
+        </p:nvPicPr>
+        <p:blipFill>
+          <a:blip r:embed="rId2">
+            <a:extLst>
+              <a:ext uri="{28A0092B-C50C-407E-A947-70E740481C1C}">
+                <a14:useLocalDpi xmlns:a14="http://schemas.microsoft.com/office/drawing/2010/main" val="0"/>
+              </a:ext>
+            </a:extLst>
+          </a:blip>
+          <a:stretch>
+            <a:fillRect/>
+          </a:stretch>
+        </p:blipFill>
         <p:spPr>
           <a:xfrm>
-            <a:off x="306000" y="1129308"/>
-            <a:ext cx="8586480" cy="2664296"/>
+            <a:off x="493076" y="841375"/>
+            <a:ext cx="8102285" cy="4291013"/>
           </a:xfrm>
         </p:spPr>
-        <p:txBody>
-          <a:bodyPr>
-            <a:normAutofit/>
-          </a:bodyPr>
-          <a:lstStyle/>
-          <a:p>
-            <a:r>
-              <a:rPr lang="fr-FR" dirty="0" smtClean="0"/>
-              <a:t>Mise en place d’un menu</a:t>
-            </a:r>
-          </a:p>
-          <a:p>
-            <a:r>
-              <a:rPr lang="fr-FR" dirty="0" smtClean="0"/>
-              <a:t>Génération </a:t>
-            </a:r>
-            <a:r>
-              <a:rPr lang="fr-FR" dirty="0"/>
-              <a:t>d'une </a:t>
-            </a:r>
-            <a:r>
-              <a:rPr lang="fr-FR" dirty="0" err="1"/>
-              <a:t>map</a:t>
-            </a:r>
-            <a:r>
-              <a:rPr lang="fr-FR" dirty="0"/>
-              <a:t> aléatoire</a:t>
-            </a:r>
-          </a:p>
-          <a:p>
-            <a:r>
-              <a:rPr lang="fr-FR" dirty="0" smtClean="0"/>
-              <a:t>Construction des bâtiments</a:t>
-            </a:r>
-            <a:endParaRPr lang="fr-FR" dirty="0"/>
-          </a:p>
-          <a:p>
-            <a:r>
-              <a:rPr lang="fr-FR" dirty="0"/>
-              <a:t>Infos sur les </a:t>
-            </a:r>
-            <a:r>
-              <a:rPr lang="fr-FR" dirty="0" smtClean="0"/>
-              <a:t>bâtiments </a:t>
-            </a:r>
-            <a:r>
-              <a:rPr lang="fr-FR" dirty="0"/>
-              <a:t>au clic</a:t>
-            </a:r>
-          </a:p>
-          <a:p>
-            <a:r>
-              <a:rPr lang="fr-FR" dirty="0" smtClean="0"/>
-              <a:t>Zoom/</a:t>
-            </a:r>
-            <a:r>
-              <a:rPr lang="fr-FR" dirty="0" err="1" smtClean="0"/>
-              <a:t>Dezoom</a:t>
-            </a:r>
-            <a:endParaRPr lang="fr-FR" dirty="0"/>
-          </a:p>
-        </p:txBody>
-      </p:sp>
-      <p:sp>
-        <p:nvSpPr>
-          <p:cNvPr id="11" name="Titre 10"/>
+      </p:pic>
+      <p:sp>
+        <p:nvSpPr>
+          <p:cNvPr id="4" name="Titre 3"/>
           <p:cNvSpPr>
             <a:spLocks noGrp="1"/>
           </p:cNvSpPr>
           <p:nvPr>
             <p:ph type="title"/>
-          </p:nvPr>
-        </p:nvSpPr>
-        <p:spPr/>
-        <p:txBody>
-          <a:bodyPr>
-            <a:normAutofit/>
-          </a:bodyPr>
-          <a:lstStyle/>
-          <a:p>
-            <a:r>
-              <a:rPr lang="fr-FR" dirty="0" err="1" smtClean="0"/>
-              <a:t>Resultat</a:t>
-            </a:r>
-            <a:r>
-              <a:rPr lang="fr-FR" dirty="0" smtClean="0"/>
-              <a:t> obtenu</a:t>
-            </a:r>
-            <a:endParaRPr lang="fr-FR" dirty="0"/>
-          </a:p>
-        </p:txBody>
-      </p:sp>
-      <p:sp>
-        <p:nvSpPr>
-          <p:cNvPr id="6" name="Espace réservé du pied de page 5"/>
-          <p:cNvSpPr>
-            <a:spLocks noGrp="1"/>
-          </p:cNvSpPr>
-          <p:nvPr>
-            <p:ph type="ftr" sz="quarter" idx="18"/>
           </p:nvPr>
         </p:nvSpPr>
         <p:spPr/>
@@ -20173,10 +20987,63 @@
           <a:lstStyle/>
           <a:p>
             <a:r>
-              <a:rPr lang="fr-FR"/>
+              <a:rPr lang="fr-FR" dirty="0" err="1" smtClean="0"/>
+              <a:t>Rest</a:t>
+            </a:r>
+            <a:r>
+              <a:rPr lang="fr-FR" dirty="0" smtClean="0"/>
+              <a:t> Tools</a:t>
+            </a:r>
+            <a:endParaRPr lang="fr-FR" dirty="0"/>
+          </a:p>
+        </p:txBody>
+      </p:sp>
+      <p:sp>
+        <p:nvSpPr>
+          <p:cNvPr id="5" name="Espace réservé de la date 4"/>
+          <p:cNvSpPr>
+            <a:spLocks noGrp="1"/>
+          </p:cNvSpPr>
+          <p:nvPr>
+            <p:ph type="dt" sz="half" idx="17"/>
+          </p:nvPr>
+        </p:nvSpPr>
+        <p:spPr/>
+        <p:txBody>
+          <a:bodyPr/>
+          <a:lstStyle/>
+          <a:p>
+            <a:r>
+              <a:rPr lang="fr-FR" smtClean="0"/>
+              <a:t>&lt;Version&gt; - &lt;Date&gt;</a:t>
+            </a:r>
+            <a:endParaRPr lang="fr-FR" dirty="0"/>
+          </a:p>
+        </p:txBody>
+      </p:sp>
+      <p:sp>
+        <p:nvSpPr>
+          <p:cNvPr id="6" name="Espace réservé du pied de page 5"/>
+          <p:cNvSpPr>
+            <a:spLocks noGrp="1"/>
+          </p:cNvSpPr>
+          <p:nvPr>
+            <p:ph type="ftr" sz="quarter" idx="18"/>
+          </p:nvPr>
+        </p:nvSpPr>
+        <p:spPr/>
+        <p:txBody>
+          <a:bodyPr/>
+          <a:lstStyle/>
+          <a:p>
+            <a:pPr>
+              <a:defRPr/>
+            </a:pPr>
+            <a:r>
+              <a:rPr lang="fr-FR" smtClean="0"/>
               <a:t>© SQLI Enterprise – SQLI GROUP | 2015 </a:t>
             </a:r>
-            <a:endParaRPr lang="fr-FR" dirty="0"/>
+            <a:endParaRPr lang="fr-FR"/>
           </a:p>
         </p:txBody>
       </p:sp>
@@ -20207,291 +21074,13 @@
     </p:spTree>
     <p:extLst>
       <p:ext uri="{BB962C8B-B14F-4D97-AF65-F5344CB8AC3E}">
-        <p14:creationId xmlns:p14="http://schemas.microsoft.com/office/powerpoint/2010/main" val="1250794560"/>
+        <p14:creationId xmlns:p14="http://schemas.microsoft.com/office/powerpoint/2010/main" val="670535389"/>
       </p:ext>
     </p:extLst>
   </p:cSld>
   <p:clrMapOvr>
     <a:masterClrMapping/>
   </p:clrMapOvr>
-  <p:timing>
-    <p:tnLst>
-      <p:par>
-        <p:cTn id="1" dur="indefinite" restart="never" nodeType="tmRoot">
-          <p:childTnLst>
-            <p:seq concurrent="1" nextAc="seek">
-              <p:cTn id="2" dur="indefinite" nodeType="mainSeq">
-                <p:childTnLst>
-                  <p:par>
-                    <p:cTn id="3" fill="hold">
-                      <p:stCondLst>
-                        <p:cond delay="indefinite"/>
-                      </p:stCondLst>
-                      <p:childTnLst>
-                        <p:par>
-                          <p:cTn id="4" fill="hold">
-                            <p:stCondLst>
-                              <p:cond delay="0"/>
-                            </p:stCondLst>
-                            <p:childTnLst>
-                              <p:par>
-                                <p:cTn id="5" presetID="1" presetClass="entr" presetSubtype="0" fill="hold" grpId="0" nodeType="clickEffect">
-                                  <p:stCondLst>
-                                    <p:cond delay="0"/>
-                                  </p:stCondLst>
-                                  <p:childTnLst>
-                                    <p:set>
-                                      <p:cBhvr>
-                                        <p:cTn id="6" dur="1" fill="hold">
-                                          <p:stCondLst>
-                                            <p:cond delay="0"/>
-                                          </p:stCondLst>
-                                        </p:cTn>
-                                        <p:tgtEl>
-                                          <p:spTgt spid="13">
-                                            <p:txEl>
-                                              <p:pRg st="0" end="0"/>
-                                            </p:txEl>
-                                          </p:spTgt>
-                                        </p:tgtEl>
-                                        <p:attrNameLst>
-                                          <p:attrName>style.visibility</p:attrName>
-                                        </p:attrNameLst>
-                                      </p:cBhvr>
-                                      <p:to>
-                                        <p:strVal val="visible"/>
-                                      </p:to>
-                                    </p:set>
-                                  </p:childTnLst>
-                                </p:cTn>
-                              </p:par>
-                            </p:childTnLst>
-                          </p:cTn>
-                        </p:par>
-                      </p:childTnLst>
-                    </p:cTn>
-                  </p:par>
-                  <p:par>
-                    <p:cTn id="7" fill="hold">
-                      <p:stCondLst>
-                        <p:cond delay="indefinite"/>
-                      </p:stCondLst>
-                      <p:childTnLst>
-                        <p:par>
-                          <p:cTn id="8" fill="hold">
-                            <p:stCondLst>
-                              <p:cond delay="0"/>
-                            </p:stCondLst>
-                            <p:childTnLst>
-                              <p:par>
-                                <p:cTn id="9" presetID="1" presetClass="entr" presetSubtype="0" fill="hold" grpId="0" nodeType="clickEffect">
-                                  <p:stCondLst>
-                                    <p:cond delay="0"/>
-                                  </p:stCondLst>
-                                  <p:childTnLst>
-                                    <p:set>
-                                      <p:cBhvr>
-                                        <p:cTn id="10" dur="1" fill="hold">
-                                          <p:stCondLst>
-                                            <p:cond delay="0"/>
-                                          </p:stCondLst>
-                                        </p:cTn>
-                                        <p:tgtEl>
-                                          <p:spTgt spid="13">
-                                            <p:txEl>
-                                              <p:pRg st="1" end="1"/>
-                                            </p:txEl>
-                                          </p:spTgt>
-                                        </p:tgtEl>
-                                        <p:attrNameLst>
-                                          <p:attrName>style.visibility</p:attrName>
-                                        </p:attrNameLst>
-                                      </p:cBhvr>
-                                      <p:to>
-                                        <p:strVal val="visible"/>
-                                      </p:to>
-                                    </p:set>
-                                  </p:childTnLst>
-                                </p:cTn>
-                              </p:par>
-                            </p:childTnLst>
-                          </p:cTn>
-                        </p:par>
-                      </p:childTnLst>
-                    </p:cTn>
-                  </p:par>
-                  <p:par>
-                    <p:cTn id="11" fill="hold">
-                      <p:stCondLst>
-                        <p:cond delay="indefinite"/>
-                      </p:stCondLst>
-                      <p:childTnLst>
-                        <p:par>
-                          <p:cTn id="12" fill="hold">
-                            <p:stCondLst>
-                              <p:cond delay="0"/>
-                            </p:stCondLst>
-                            <p:childTnLst>
-                              <p:par>
-                                <p:cTn id="13" presetID="1" presetClass="entr" presetSubtype="0" fill="hold" grpId="0" nodeType="clickEffect">
-                                  <p:stCondLst>
-                                    <p:cond delay="0"/>
-                                  </p:stCondLst>
-                                  <p:childTnLst>
-                                    <p:set>
-                                      <p:cBhvr>
-                                        <p:cTn id="14" dur="1" fill="hold">
-                                          <p:stCondLst>
-                                            <p:cond delay="0"/>
-                                          </p:stCondLst>
-                                        </p:cTn>
-                                        <p:tgtEl>
-                                          <p:spTgt spid="13">
-                                            <p:txEl>
-                                              <p:pRg st="2" end="2"/>
-                                            </p:txEl>
-                                          </p:spTgt>
-                                        </p:tgtEl>
-                                        <p:attrNameLst>
-                                          <p:attrName>style.visibility</p:attrName>
-                                        </p:attrNameLst>
-                                      </p:cBhvr>
-                                      <p:to>
-                                        <p:strVal val="visible"/>
-                                      </p:to>
-                                    </p:set>
-                                  </p:childTnLst>
-                                </p:cTn>
-                              </p:par>
-                            </p:childTnLst>
-                          </p:cTn>
-                        </p:par>
-                      </p:childTnLst>
-                    </p:cTn>
-                  </p:par>
-                  <p:par>
-                    <p:cTn id="15" fill="hold">
-                      <p:stCondLst>
-                        <p:cond delay="indefinite"/>
-                      </p:stCondLst>
-                      <p:childTnLst>
-                        <p:par>
-                          <p:cTn id="16" fill="hold">
-                            <p:stCondLst>
-                              <p:cond delay="0"/>
-                            </p:stCondLst>
-                            <p:childTnLst>
-                              <p:par>
-                                <p:cTn id="17" presetID="1" presetClass="entr" presetSubtype="0" fill="hold" grpId="0" nodeType="clickEffect">
-                                  <p:stCondLst>
-                                    <p:cond delay="0"/>
-                                  </p:stCondLst>
-                                  <p:childTnLst>
-                                    <p:set>
-                                      <p:cBhvr>
-                                        <p:cTn id="18" dur="1" fill="hold">
-                                          <p:stCondLst>
-                                            <p:cond delay="0"/>
-                                          </p:stCondLst>
-                                        </p:cTn>
-                                        <p:tgtEl>
-                                          <p:spTgt spid="13">
-                                            <p:txEl>
-                                              <p:pRg st="3" end="3"/>
-                                            </p:txEl>
-                                          </p:spTgt>
-                                        </p:tgtEl>
-                                        <p:attrNameLst>
-                                          <p:attrName>style.visibility</p:attrName>
-                                        </p:attrNameLst>
-                                      </p:cBhvr>
-                                      <p:to>
-                                        <p:strVal val="visible"/>
-                                      </p:to>
-                                    </p:set>
-                                  </p:childTnLst>
-                                </p:cTn>
-                              </p:par>
-                            </p:childTnLst>
-                          </p:cTn>
-                        </p:par>
-                      </p:childTnLst>
-                    </p:cTn>
-                  </p:par>
-                  <p:par>
-                    <p:cTn id="19" fill="hold">
-                      <p:stCondLst>
-                        <p:cond delay="indefinite"/>
-                      </p:stCondLst>
-                      <p:childTnLst>
-                        <p:par>
-                          <p:cTn id="20" fill="hold">
-                            <p:stCondLst>
-                              <p:cond delay="0"/>
-                            </p:stCondLst>
-                            <p:childTnLst>
-                              <p:par>
-                                <p:cTn id="21" presetID="1" presetClass="entr" presetSubtype="0" fill="hold" grpId="0" nodeType="clickEffect">
-                                  <p:stCondLst>
-                                    <p:cond delay="0"/>
-                                  </p:stCondLst>
-                                  <p:childTnLst>
-                                    <p:set>
-                                      <p:cBhvr>
-                                        <p:cTn id="22" dur="1" fill="hold">
-                                          <p:stCondLst>
-                                            <p:cond delay="0"/>
-                                          </p:stCondLst>
-                                        </p:cTn>
-                                        <p:tgtEl>
-                                          <p:spTgt spid="13">
-                                            <p:txEl>
-                                              <p:pRg st="4" end="4"/>
-                                            </p:txEl>
-                                          </p:spTgt>
-                                        </p:tgtEl>
-                                        <p:attrNameLst>
-                                          <p:attrName>style.visibility</p:attrName>
-                                        </p:attrNameLst>
-                                      </p:cBhvr>
-                                      <p:to>
-                                        <p:strVal val="visible"/>
-                                      </p:to>
-                                    </p:set>
-                                  </p:childTnLst>
-                                </p:cTn>
-                              </p:par>
-                            </p:childTnLst>
-                          </p:cTn>
-                        </p:par>
-                      </p:childTnLst>
-                    </p:cTn>
-                  </p:par>
-                </p:childTnLst>
-              </p:cTn>
-              <p:prevCondLst>
-                <p:cond evt="onPrev" delay="0">
-                  <p:tgtEl>
-                    <p:sldTgt/>
-                  </p:tgtEl>
-                </p:cond>
-              </p:prevCondLst>
-              <p:nextCondLst>
-                <p:cond evt="onNext" delay="0">
-                  <p:tgtEl>
-                    <p:sldTgt/>
-                  </p:tgtEl>
-                </p:cond>
-              </p:nextCondLst>
-            </p:seq>
-          </p:childTnLst>
-        </p:cTn>
-      </p:par>
-    </p:tnLst>
-    <p:bldLst>
-      <p:bldP spid="13" grpId="0" build="p"/>
-    </p:bldLst>
-  </p:timing>
 </p:sld>
 </file>
 
@@ -20512,110 +21101,43 @@
           <a:chExt cx="0" cy="0"/>
         </a:xfrm>
       </p:grpSpPr>
-      <p:sp>
-        <p:nvSpPr>
-          <p:cNvPr id="13" name="Espace réservé du contenu 12"/>
-          <p:cNvSpPr>
-            <a:spLocks noGrp="1"/>
-          </p:cNvSpPr>
+      <p:pic>
+        <p:nvPicPr>
+          <p:cNvPr id="8" name="Espace réservé du contenu 7"/>
+          <p:cNvPicPr>
+            <a:picLocks noGrp="1" noChangeAspect="1"/>
+          </p:cNvPicPr>
           <p:nvPr>
             <p:ph idx="16"/>
           </p:nvPr>
-        </p:nvSpPr>
+        </p:nvPicPr>
+        <p:blipFill>
+          <a:blip r:embed="rId2">
+            <a:extLst>
+              <a:ext uri="{28A0092B-C50C-407E-A947-70E740481C1C}">
+                <a14:useLocalDpi xmlns:a14="http://schemas.microsoft.com/office/drawing/2010/main" val="0"/>
+              </a:ext>
+            </a:extLst>
+          </a:blip>
+          <a:stretch>
+            <a:fillRect/>
+          </a:stretch>
+        </p:blipFill>
         <p:spPr>
           <a:xfrm>
-            <a:off x="306000" y="1129308"/>
-            <a:ext cx="8532000" cy="1613132"/>
+            <a:off x="2024922" y="769938"/>
+            <a:ext cx="5094156" cy="4362450"/>
           </a:xfrm>
         </p:spPr>
-        <p:txBody>
-          <a:bodyPr>
-            <a:normAutofit fontScale="92500" lnSpcReduction="10000"/>
-          </a:bodyPr>
-          <a:lstStyle/>
-          <a:p>
-            <a:r>
-              <a:rPr lang="fr-FR" dirty="0"/>
-              <a:t> CDC : difficultés pour se mettre d'accord</a:t>
-            </a:r>
-          </a:p>
-          <a:p>
-            <a:r>
-              <a:rPr lang="fr-FR" dirty="0" smtClean="0"/>
-              <a:t>Git</a:t>
-            </a:r>
-            <a:r>
-              <a:rPr lang="fr-FR" dirty="0"/>
-              <a:t>: </a:t>
-            </a:r>
-            <a:r>
-              <a:rPr lang="fr-FR" dirty="0" smtClean="0"/>
-              <a:t>difficultés </a:t>
-            </a:r>
-            <a:r>
-              <a:rPr lang="fr-FR" dirty="0"/>
-              <a:t>de maniement</a:t>
-            </a:r>
-          </a:p>
-          <a:p>
-            <a:r>
-              <a:rPr lang="fr-FR" dirty="0" err="1" smtClean="0"/>
-              <a:t>Crafty</a:t>
-            </a:r>
-            <a:r>
-              <a:rPr lang="fr-FR" dirty="0"/>
-              <a:t>: manque de ressources</a:t>
-            </a:r>
-          </a:p>
-          <a:p>
-            <a:r>
-              <a:rPr lang="fr-FR" dirty="0" smtClean="0"/>
-              <a:t>Délais</a:t>
-            </a:r>
-            <a:r>
-              <a:rPr lang="fr-FR" dirty="0"/>
-              <a:t>: courts</a:t>
-            </a:r>
-          </a:p>
-        </p:txBody>
-      </p:sp>
-      <p:sp>
-        <p:nvSpPr>
-          <p:cNvPr id="11" name="Titre 10"/>
+      </p:pic>
+      <p:sp>
+        <p:nvSpPr>
+          <p:cNvPr id="4" name="Titre 3"/>
           <p:cNvSpPr>
             <a:spLocks noGrp="1"/>
           </p:cNvSpPr>
           <p:nvPr>
             <p:ph type="title"/>
-          </p:nvPr>
-        </p:nvSpPr>
-        <p:spPr/>
-        <p:txBody>
-          <a:bodyPr>
-            <a:normAutofit/>
-          </a:bodyPr>
-          <a:lstStyle/>
-          <a:p>
-            <a:r>
-              <a:rPr lang="fr-FR" dirty="0" err="1" smtClean="0"/>
-              <a:t>Difficultées</a:t>
-            </a:r>
-            <a:r>
-              <a:rPr lang="fr-FR" dirty="0" smtClean="0"/>
-              <a:t> rencontrées</a:t>
-            </a:r>
-            <a:endParaRPr lang="fr-FR" dirty="0"/>
-          </a:p>
-        </p:txBody>
-      </p:sp>
-      <p:sp>
-        <p:nvSpPr>
-          <p:cNvPr id="6" name="Espace réservé du pied de page 5"/>
-          <p:cNvSpPr>
-            <a:spLocks noGrp="1"/>
-          </p:cNvSpPr>
-          <p:nvPr>
-            <p:ph type="ftr" sz="quarter" idx="18"/>
           </p:nvPr>
         </p:nvSpPr>
         <p:spPr/>
@@ -20624,10 +21146,59 @@
           <a:lstStyle/>
           <a:p>
             <a:r>
-              <a:rPr lang="fr-FR"/>
+              <a:rPr lang="fr-FR" dirty="0" smtClean="0"/>
+              <a:t>La BDD</a:t>
+            </a:r>
+            <a:endParaRPr lang="fr-FR" dirty="0"/>
+          </a:p>
+        </p:txBody>
+      </p:sp>
+      <p:sp>
+        <p:nvSpPr>
+          <p:cNvPr id="5" name="Espace réservé de la date 4"/>
+          <p:cNvSpPr>
+            <a:spLocks noGrp="1"/>
+          </p:cNvSpPr>
+          <p:nvPr>
+            <p:ph type="dt" sz="half" idx="17"/>
+          </p:nvPr>
+        </p:nvSpPr>
+        <p:spPr/>
+        <p:txBody>
+          <a:bodyPr/>
+          <a:lstStyle/>
+          <a:p>
+            <a:r>
+              <a:rPr lang="fr-FR" smtClean="0"/>
+              <a:t>&lt;Version&gt; - &lt;Date&gt;</a:t>
+            </a:r>
+            <a:endParaRPr lang="fr-FR" dirty="0"/>
+          </a:p>
+        </p:txBody>
+      </p:sp>
+      <p:sp>
+        <p:nvSpPr>
+          <p:cNvPr id="6" name="Espace réservé du pied de page 5"/>
+          <p:cNvSpPr>
+            <a:spLocks noGrp="1"/>
+          </p:cNvSpPr>
+          <p:nvPr>
+            <p:ph type="ftr" sz="quarter" idx="18"/>
+          </p:nvPr>
+        </p:nvSpPr>
+        <p:spPr/>
+        <p:txBody>
+          <a:bodyPr/>
+          <a:lstStyle/>
+          <a:p>
+            <a:pPr>
+              <a:defRPr/>
+            </a:pPr>
+            <a:r>
+              <a:rPr lang="fr-FR" smtClean="0"/>
               <a:t>© SQLI Enterprise – SQLI GROUP | 2015 </a:t>
             </a:r>
-            <a:endParaRPr lang="fr-FR" dirty="0"/>
+            <a:endParaRPr lang="fr-FR"/>
           </a:p>
         </p:txBody>
       </p:sp>
@@ -20658,242 +21229,13 @@
     </p:spTree>
     <p:extLst>
       <p:ext uri="{BB962C8B-B14F-4D97-AF65-F5344CB8AC3E}">
-        <p14:creationId xmlns:p14="http://schemas.microsoft.com/office/powerpoint/2010/main" val="1250794560"/>
+        <p14:creationId xmlns:p14="http://schemas.microsoft.com/office/powerpoint/2010/main" val="2851465985"/>
       </p:ext>
     </p:extLst>
   </p:cSld>
   <p:clrMapOvr>
     <a:masterClrMapping/>
   </p:clrMapOvr>
-  <p:timing>
-    <p:tnLst>
-      <p:par>
-        <p:cTn id="1" dur="indefinite" restart="never" nodeType="tmRoot">
-          <p:childTnLst>
-            <p:seq concurrent="1" nextAc="seek">
-              <p:cTn id="2" dur="indefinite" nodeType="mainSeq">
-                <p:childTnLst>
-                  <p:par>
-                    <p:cTn id="3" fill="hold">
-                      <p:stCondLst>
-                        <p:cond delay="indefinite"/>
-                      </p:stCondLst>
-                      <p:childTnLst>
-                        <p:par>
-                          <p:cTn id="4" fill="hold">
-                            <p:stCondLst>
-                              <p:cond delay="0"/>
-                            </p:stCondLst>
-                            <p:childTnLst>
-                              <p:par>
-                                <p:cTn id="5" presetID="1" presetClass="entr" presetSubtype="0" fill="hold" grpId="0" nodeType="clickEffect">
-                                  <p:stCondLst>
-                                    <p:cond delay="0"/>
-                                  </p:stCondLst>
-                                  <p:childTnLst>
-                                    <p:set>
-                                      <p:cBhvr>
-                                        <p:cTn id="6" dur="1" fill="hold">
-                                          <p:stCondLst>
-                                            <p:cond delay="0"/>
-                                          </p:stCondLst>
-                                        </p:cTn>
-                                        <p:tgtEl>
-                                          <p:spTgt spid="13">
-                                            <p:txEl>
-                                              <p:pRg st="0" end="0"/>
-                                            </p:txEl>
-                                          </p:spTgt>
-                                        </p:tgtEl>
-                                        <p:attrNameLst>
-                                          <p:attrName>style.visibility</p:attrName>
-                                        </p:attrNameLst>
-                                      </p:cBhvr>
-                                      <p:to>
-                                        <p:strVal val="visible"/>
-                                      </p:to>
-                                    </p:set>
-                                  </p:childTnLst>
-                                </p:cTn>
-                              </p:par>
-                            </p:childTnLst>
-                          </p:cTn>
-                        </p:par>
-                      </p:childTnLst>
-                    </p:cTn>
-                  </p:par>
-                  <p:par>
-                    <p:cTn id="7" fill="hold">
-                      <p:stCondLst>
-                        <p:cond delay="indefinite"/>
-                      </p:stCondLst>
-                      <p:childTnLst>
-                        <p:par>
-                          <p:cTn id="8" fill="hold">
-                            <p:stCondLst>
-                              <p:cond delay="0"/>
-                            </p:stCondLst>
-                            <p:childTnLst>
-                              <p:par>
-                                <p:cTn id="9" presetID="1" presetClass="entr" presetSubtype="0" fill="hold" grpId="0" nodeType="clickEffect">
-                                  <p:stCondLst>
-                                    <p:cond delay="0"/>
-                                  </p:stCondLst>
-                                  <p:childTnLst>
-                                    <p:set>
-                                      <p:cBhvr>
-                                        <p:cTn id="10" dur="1" fill="hold">
-                                          <p:stCondLst>
-                                            <p:cond delay="0"/>
-                                          </p:stCondLst>
-                                        </p:cTn>
-                                        <p:tgtEl>
-                                          <p:spTgt spid="13">
-                                            <p:txEl>
-                                              <p:pRg st="1" end="1"/>
-                                            </p:txEl>
-                                          </p:spTgt>
-                                        </p:tgtEl>
-                                        <p:attrNameLst>
-                                          <p:attrName>style.visibility</p:attrName>
-                                        </p:attrNameLst>
-                                      </p:cBhvr>
-                                      <p:to>
-                                        <p:strVal val="visible"/>
-                                      </p:to>
-                                    </p:set>
-                                  </p:childTnLst>
-                                </p:cTn>
-                              </p:par>
-                            </p:childTnLst>
-                          </p:cTn>
-                        </p:par>
-                      </p:childTnLst>
-                    </p:cTn>
-                  </p:par>
-                  <p:par>
-                    <p:cTn id="11" fill="hold">
-                      <p:stCondLst>
-                        <p:cond delay="indefinite"/>
-                      </p:stCondLst>
-                      <p:childTnLst>
-                        <p:par>
-                          <p:cTn id="12" fill="hold">
-                            <p:stCondLst>
-                              <p:cond delay="0"/>
-                            </p:stCondLst>
-                            <p:childTnLst>
-                              <p:par>
-                                <p:cTn id="13" presetID="1" presetClass="entr" presetSubtype="0" fill="hold" grpId="0" nodeType="clickEffect">
-                                  <p:stCondLst>
-                                    <p:cond delay="0"/>
-                                  </p:stCondLst>
-                                  <p:childTnLst>
-                                    <p:set>
-                                      <p:cBhvr>
-                                        <p:cTn id="14" dur="1" fill="hold">
-                                          <p:stCondLst>
-                                            <p:cond delay="0"/>
-                                          </p:stCondLst>
-                                        </p:cTn>
-                                        <p:tgtEl>
-                                          <p:spTgt spid="13">
-                                            <p:txEl>
-                                              <p:pRg st="2" end="2"/>
-                                            </p:txEl>
-                                          </p:spTgt>
-                                        </p:tgtEl>
-                                        <p:attrNameLst>
-                                          <p:attrName>style.visibility</p:attrName>
-                                        </p:attrNameLst>
-                                      </p:cBhvr>
-                                      <p:to>
-                                        <p:strVal val="visible"/>
-                                      </p:to>
-                                    </p:set>
-                                  </p:childTnLst>
-                                </p:cTn>
-                              </p:par>
-                            </p:childTnLst>
-                          </p:cTn>
-                        </p:par>
-                      </p:childTnLst>
-                    </p:cTn>
-                  </p:par>
-                  <p:par>
-                    <p:cTn id="15" fill="hold">
-                      <p:stCondLst>
-                        <p:cond delay="indefinite"/>
-                      </p:stCondLst>
-                      <p:childTnLst>
-                        <p:par>
-                          <p:cTn id="16" fill="hold">
-                            <p:stCondLst>
-                              <p:cond delay="0"/>
-                            </p:stCondLst>
-                            <p:childTnLst>
-                              <p:par>
-                                <p:cTn id="17" presetID="1" presetClass="entr" presetSubtype="0" fill="hold" grpId="0" nodeType="clickEffect">
-                                  <p:stCondLst>
-                                    <p:cond delay="0"/>
-                                  </p:stCondLst>
-                                  <p:childTnLst>
-                                    <p:set>
-                                      <p:cBhvr>
-                                        <p:cTn id="18" dur="1" fill="hold">
-                                          <p:stCondLst>
-                                            <p:cond delay="0"/>
-                                          </p:stCondLst>
-                                        </p:cTn>
-                                        <p:tgtEl>
-                                          <p:spTgt spid="13">
-                                            <p:txEl>
-                                              <p:pRg st="3" end="3"/>
-                                            </p:txEl>
-                                          </p:spTgt>
-                                        </p:tgtEl>
-                                        <p:attrNameLst>
-                                          <p:attrName>style.visibility</p:attrName>
-                                        </p:attrNameLst>
-                                      </p:cBhvr>
-                                      <p:to>
-                                        <p:strVal val="visible"/>
-                                      </p:to>
-                                    </p:set>
-                                  </p:childTnLst>
-                                </p:cTn>
-                              </p:par>
-                            </p:childTnLst>
-                          </p:cTn>
-                        </p:par>
-                      </p:childTnLst>
-                    </p:cTn>
-                  </p:par>
-                </p:childTnLst>
-              </p:cTn>
-              <p:prevCondLst>
-                <p:cond evt="onPrev" delay="0">
-                  <p:tgtEl>
-                    <p:sldTgt/>
-                  </p:tgtEl>
-                </p:cond>
-              </p:prevCondLst>
-              <p:nextCondLst>
-                <p:cond evt="onNext" delay="0">
-                  <p:tgtEl>
-                    <p:sldTgt/>
-                  </p:tgtEl>
-                </p:cond>
-              </p:nextCondLst>
-            </p:seq>
-          </p:childTnLst>
-        </p:cTn>
-      </p:par>
-    </p:tnLst>
-    <p:bldLst>
-      <p:bldP spid="13" grpId="0" build="p"/>
-    </p:bldLst>
-  </p:timing>
 </p:sld>
 </file>
 
@@ -21188,7 +21530,7 @@
   <a:extraClrSchemeLst/>
   <a:extLst>
     <a:ext uri="{05A4C25C-085E-4340-85A3-A5531E510DB2}">
-      <thm15:themeFamily xmlns="" xmlns:thm15="http://schemas.microsoft.com/office/thememl/2012/main" name="TEMPLATE-SQLI-Enterprise-2015-Arial-FR.potx" id="{293128A5-7D34-4608-A510-2D7497C5364F}" vid="{5DF8CF93-3EC2-42C8-90A2-003579D25058}"/>
+      <thm15:themeFamily xmlns:thm15="http://schemas.microsoft.com/office/thememl/2012/main" xmlns="" name="TEMPLATE-SQLI-Enterprise-2015-Arial-FR.potx" id="{293128A5-7D34-4608-A510-2D7497C5364F}" vid="{5DF8CF93-3EC2-42C8-90A2-003579D25058}"/>
     </a:ext>
   </a:extLst>
 </a:theme>

--- a/Presentation/presentation.pptx
+++ b/Presentation/presentation.pptx
@@ -134,7 +134,7 @@
   </p:defaultTextStyle>
   <p:extLst>
     <p:ext uri="{EFAFB233-063F-42B5-8137-9DF3F51BA10A}">
-      <p15:sldGuideLst xmlns:p15="http://schemas.microsoft.com/office/powerpoint/2012/main" xmlns="">
+      <p15:sldGuideLst xmlns="" xmlns:p15="http://schemas.microsoft.com/office/powerpoint/2012/main">
         <p15:guide id="1" orient="horz" pos="1800">
           <p15:clr>
             <a:srgbClr val="A4A3A4"/>
@@ -148,7 +148,7 @@
       </p15:sldGuideLst>
     </p:ext>
     <p:ext uri="{2D200454-40CA-4A62-9FC3-DE9A4176ACB9}">
-      <p15:notesGuideLst xmlns:p15="http://schemas.microsoft.com/office/powerpoint/2012/main" xmlns="">
+      <p15:notesGuideLst xmlns="" xmlns:p15="http://schemas.microsoft.com/office/powerpoint/2012/main">
         <p15:guide id="1" orient="horz" pos="2880">
           <p15:clr>
             <a:srgbClr val="A4A3A4"/>
@@ -1404,7 +1404,7 @@
   </p:clrMapOvr>
   <p:extLst mod="1">
     <p:ext uri="{DCECCB84-F9BA-43D5-87BE-67443E8EF086}">
-      <p15:sldGuideLst xmlns:p15="http://schemas.microsoft.com/office/powerpoint/2012/main" xmlns="">
+      <p15:sldGuideLst xmlns="" xmlns:p15="http://schemas.microsoft.com/office/powerpoint/2012/main">
         <p15:guide id="1" orient="horz" pos="1800" userDrawn="1">
           <p15:clr>
             <a:srgbClr val="FBAE40"/>
@@ -4293,7 +4293,7 @@
   </p:clrMapOvr>
   <p:extLst mod="1">
     <p:ext uri="{DCECCB84-F9BA-43D5-87BE-67443E8EF086}">
-      <p15:sldGuideLst xmlns:p15="http://schemas.microsoft.com/office/powerpoint/2012/main" xmlns="">
+      <p15:sldGuideLst xmlns="" xmlns:p15="http://schemas.microsoft.com/office/powerpoint/2012/main">
         <p15:guide id="1" orient="horz" pos="1800" userDrawn="1">
           <p15:clr>
             <a:srgbClr val="FBAE40"/>
@@ -12257,7 +12257,7 @@
   </p:transition>
   <p:extLst mod="1">
     <p:ext uri="{DCECCB84-F9BA-43D5-87BE-67443E8EF086}">
-      <p15:sldGuideLst xmlns:p15="http://schemas.microsoft.com/office/powerpoint/2012/main" xmlns="">
+      <p15:sldGuideLst xmlns="" xmlns:p15="http://schemas.microsoft.com/office/powerpoint/2012/main">
         <p15:guide id="1" orient="horz" pos="1800" userDrawn="1">
           <p15:clr>
             <a:srgbClr val="FBAE40"/>
@@ -12997,7 +12997,7 @@
   </p:transition>
   <p:extLst mod="1">
     <p:ext uri="{DCECCB84-F9BA-43D5-87BE-67443E8EF086}">
-      <p15:sldGuideLst xmlns:p15="http://schemas.microsoft.com/office/powerpoint/2012/main" xmlns="">
+      <p15:sldGuideLst xmlns="" xmlns:p15="http://schemas.microsoft.com/office/powerpoint/2012/main">
         <p15:guide id="1" orient="horz" pos="412" userDrawn="1">
           <p15:clr>
             <a:srgbClr val="FBAE40"/>
@@ -14356,7 +14356,7 @@
   <p:transition/>
   <p:extLst mod="1">
     <p:ext uri="{DCECCB84-F9BA-43D5-87BE-67443E8EF086}">
-      <p15:sldGuideLst xmlns:p15="http://schemas.microsoft.com/office/powerpoint/2012/main" xmlns="">
+      <p15:sldGuideLst xmlns="" xmlns:p15="http://schemas.microsoft.com/office/powerpoint/2012/main">
         <p15:guide id="1" orient="horz" pos="1800" userDrawn="1">
           <p15:clr>
             <a:srgbClr val="FBAE40"/>
@@ -14714,7 +14714,7 @@
   <p:transition/>
   <p:extLst mod="1">
     <p:ext uri="{DCECCB84-F9BA-43D5-87BE-67443E8EF086}">
-      <p15:sldGuideLst xmlns:p15="http://schemas.microsoft.com/office/powerpoint/2012/main" xmlns="">
+      <p15:sldGuideLst xmlns="" xmlns:p15="http://schemas.microsoft.com/office/powerpoint/2012/main">
         <p15:guide id="1" orient="horz" pos="1800" userDrawn="1">
           <p15:clr>
             <a:srgbClr val="FBAE40"/>
@@ -15205,7 +15205,7 @@
   <p:transition/>
   <p:extLst mod="1">
     <p:ext uri="{DCECCB84-F9BA-43D5-87BE-67443E8EF086}">
-      <p15:sldGuideLst xmlns:p15="http://schemas.microsoft.com/office/powerpoint/2012/main" xmlns="">
+      <p15:sldGuideLst xmlns="" xmlns:p15="http://schemas.microsoft.com/office/powerpoint/2012/main">
         <p15:guide id="1" orient="horz" pos="1800" userDrawn="1">
           <p15:clr>
             <a:srgbClr val="FBAE40"/>
@@ -17299,8 +17299,21 @@
             </a:r>
             <a:r>
               <a:rPr lang="fr-FR" dirty="0"/>
-              <a:t>de maniement</a:t>
-            </a:r>
+              <a:t>de </a:t>
+            </a:r>
+            <a:r>
+              <a:rPr lang="fr-FR" dirty="0" smtClean="0"/>
+              <a:t>maniement (372 </a:t>
+            </a:r>
+            <a:r>
+              <a:rPr lang="fr-FR" dirty="0" err="1" smtClean="0"/>
+              <a:t>commits</a:t>
+            </a:r>
+            <a:r>
+              <a:rPr lang="fr-FR" dirty="0" smtClean="0"/>
+              <a:t>)</a:t>
+            </a:r>
+            <a:endParaRPr lang="fr-FR" dirty="0"/>
           </a:p>
           <a:p>
             <a:r>
@@ -18464,25 +18477,6 @@
           <a:chExt cx="0" cy="0"/>
         </a:xfrm>
       </p:grpSpPr>
-      <p:sp>
-        <p:nvSpPr>
-          <p:cNvPr id="2" name="Espace réservé du texte 1"/>
-          <p:cNvSpPr>
-            <a:spLocks noGrp="1"/>
-          </p:cNvSpPr>
-          <p:nvPr>
-            <p:ph type="body" sz="quarter" idx="13"/>
-          </p:nvPr>
-        </p:nvSpPr>
-        <p:spPr/>
-        <p:txBody>
-          <a:bodyPr/>
-          <a:lstStyle/>
-          <a:p>
-            <a:endParaRPr lang="fr-FR" dirty="0"/>
-          </a:p>
-        </p:txBody>
-      </p:sp>
       <p:sp>
         <p:nvSpPr>
           <p:cNvPr id="3" name="Espace réservé du contenu 2"/>
@@ -21530,7 +21524,7 @@
   <a:extraClrSchemeLst/>
   <a:extLst>
     <a:ext uri="{05A4C25C-085E-4340-85A3-A5531E510DB2}">
-      <thm15:themeFamily xmlns:thm15="http://schemas.microsoft.com/office/thememl/2012/main" xmlns="" name="TEMPLATE-SQLI-Enterprise-2015-Arial-FR.potx" id="{293128A5-7D34-4608-A510-2D7497C5364F}" vid="{5DF8CF93-3EC2-42C8-90A2-003579D25058}"/>
+      <thm15:themeFamily xmlns="" xmlns:thm15="http://schemas.microsoft.com/office/thememl/2012/main" name="TEMPLATE-SQLI-Enterprise-2015-Arial-FR.potx" id="{293128A5-7D34-4608-A510-2D7497C5364F}" vid="{5DF8CF93-3EC2-42C8-90A2-003579D25058}"/>
     </a:ext>
   </a:extLst>
 </a:theme>
